--- a/Characterization of Disease Resistance Loci in the USDA Soybean Germplasm Collection using GWAS.pptx
+++ b/Characterization of Disease Resistance Loci in the USDA Soybean Germplasm Collection using GWAS.pptx
@@ -18,13 +18,12 @@
     <p:sldId id="261" r:id="rId12"/>
     <p:sldId id="272" r:id="rId13"/>
     <p:sldId id="271" r:id="rId14"/>
-    <p:sldId id="267" r:id="rId15"/>
-    <p:sldId id="257" r:id="rId16"/>
-    <p:sldId id="262" r:id="rId17"/>
-    <p:sldId id="259" r:id="rId18"/>
-    <p:sldId id="268" r:id="rId19"/>
-    <p:sldId id="269" r:id="rId20"/>
-    <p:sldId id="273" r:id="rId21"/>
+    <p:sldId id="257" r:id="rId15"/>
+    <p:sldId id="262" r:id="rId16"/>
+    <p:sldId id="259" r:id="rId17"/>
+    <p:sldId id="268" r:id="rId18"/>
+    <p:sldId id="269" r:id="rId19"/>
+    <p:sldId id="273" r:id="rId20"/>
   </p:sldIdLst>
   <p:sldSz cx="12192000" cy="6858000"/>
   <p:notesSz cx="6858000" cy="9144000"/>
@@ -617,7 +616,7 @@
           <a:p>
             <a:fld id="{F257C344-0B20-4049-8756-CF21275D7506}" type="datetimeFigureOut">
               <a:rPr lang="en-US" smtClean="0"/>
-              <a:t>12/8/2017</a:t>
+              <a:t>12/8/17</a:t>
             </a:fld>
             <a:endParaRPr lang="en-US"/>
           </a:p>
@@ -2805,7 +2804,7 @@
         </p:spPr>
         <p:txBody>
           <a:bodyPr>
-            <a:normAutofit fontScale="92500"/>
+            <a:normAutofit/>
           </a:bodyPr>
           <a:lstStyle/>
           <a:p>
@@ -2835,12 +2834,12 @@
                   <a:schemeClr val="bg1"/>
                 </a:solidFill>
               </a:rPr>
-              <a:t>GAPIT is basically an R package without technically being a ‘package’.</a:t>
+              <a:t>GAPIT  </a:t>
             </a:r>
           </a:p>
           <a:p>
             <a:pPr lvl="1">
-              <a:buFont typeface="Arial" panose="020B0604020202020204" pitchFamily="34" charset="0"/>
+              <a:buFont typeface="Arial" charset="0"/>
               <a:buChar char="•"/>
             </a:pPr>
             <a:r>
@@ -2849,7 +2848,15 @@
                   <a:schemeClr val="bg1"/>
                 </a:solidFill>
               </a:rPr>
-              <a:t>The code is sourced from a website at Washington State University</a:t>
+              <a:t>The package </a:t>
+            </a:r>
+            <a:r>
+              <a:rPr lang="en-US" dirty="0" smtClean="0">
+                <a:solidFill>
+                  <a:schemeClr val="bg1"/>
+                </a:solidFill>
+              </a:rPr>
+              <a:t>is sourced from a website at Washington State University</a:t>
             </a:r>
           </a:p>
           <a:p>
@@ -2914,6 +2921,13 @@
   <p:clrMapOvr>
     <a:masterClrMapping/>
   </p:clrMapOvr>
+  <p:timing>
+    <p:tnLst>
+      <p:par>
+        <p:cTn id="1" dur="indefinite" restart="never" nodeType="tmRoot"/>
+      </p:par>
+    </p:tnLst>
+  </p:timing>
 </p:sld>
 </file>
 
@@ -2983,7 +2997,10 @@
             </a:r>
           </a:p>
           <a:p>
-            <a:pPr lvl="1" fontAlgn="base"/>
+            <a:pPr lvl="1" fontAlgn="base">
+              <a:buFont typeface="Arial" charset="0"/>
+              <a:buChar char="•"/>
+            </a:pPr>
             <a:r>
               <a:rPr lang="en-US" dirty="0" smtClean="0">
                 <a:solidFill>
@@ -3007,7 +3024,10 @@
             </a:endParaRPr>
           </a:p>
           <a:p>
-            <a:pPr lvl="1" fontAlgn="base"/>
+            <a:pPr lvl="1" fontAlgn="base">
+              <a:buFont typeface="Arial" charset="0"/>
+              <a:buChar char="•"/>
+            </a:pPr>
             <a:r>
               <a:rPr lang="en-US" dirty="0" smtClean="0">
                 <a:solidFill>
@@ -3031,7 +3051,10 @@
             </a:endParaRPr>
           </a:p>
           <a:p>
-            <a:pPr lvl="1" fontAlgn="base"/>
+            <a:pPr lvl="1" fontAlgn="base">
+              <a:buFont typeface="Arial" charset="0"/>
+              <a:buChar char="•"/>
+            </a:pPr>
             <a:r>
               <a:rPr lang="en-US" dirty="0" smtClean="0">
                 <a:solidFill>
@@ -3042,7 +3065,10 @@
             </a:r>
           </a:p>
           <a:p>
-            <a:pPr lvl="1" fontAlgn="base"/>
+            <a:pPr lvl="1" fontAlgn="base">
+              <a:buFont typeface="Arial" charset="0"/>
+              <a:buChar char="•"/>
+            </a:pPr>
             <a:r>
               <a:rPr lang="en-US" dirty="0" smtClean="0">
                 <a:solidFill>
@@ -3206,7 +3232,23 @@
                   <a:schemeClr val="bg1"/>
                 </a:solidFill>
               </a:rPr>
-              <a:t>Our original code for this assignment was ~1200 lines</a:t>
+              <a:t>Our original code for this assignment was ~</a:t>
+            </a:r>
+            <a:r>
+              <a:rPr lang="en-US" sz="2000" dirty="0" smtClean="0">
+                <a:solidFill>
+                  <a:schemeClr val="bg1"/>
+                </a:solidFill>
+              </a:rPr>
+              <a:t>1,200 </a:t>
+            </a:r>
+            <a:r>
+              <a:rPr lang="en-US" sz="2000" dirty="0" smtClean="0">
+                <a:solidFill>
+                  <a:schemeClr val="bg1"/>
+                </a:solidFill>
+              </a:rPr>
+              <a:t>lines</a:t>
             </a:r>
           </a:p>
           <a:p>
@@ -3386,7 +3428,10 @@
             </a:r>
           </a:p>
           <a:p>
-            <a:pPr lvl="1"/>
+            <a:pPr lvl="1">
+              <a:buFont typeface="Arial" charset="0"/>
+              <a:buChar char="•"/>
+            </a:pPr>
             <a:r>
               <a:rPr lang="en-US" sz="2000" dirty="0" smtClean="0">
                 <a:solidFill>
@@ -3407,7 +3452,10 @@
             </a:r>
           </a:p>
           <a:p>
-            <a:pPr lvl="1"/>
+            <a:pPr lvl="1">
+              <a:buFont typeface="Arial" charset="0"/>
+              <a:buChar char="•"/>
+            </a:pPr>
             <a:r>
               <a:rPr lang="en-US" sz="2000" dirty="0" smtClean="0">
                 <a:solidFill>
@@ -3957,122 +4005,6 @@
         </p:nvSpPr>
         <p:spPr/>
         <p:txBody>
-          <a:bodyPr/>
-          <a:lstStyle/>
-          <a:p>
-            <a:r>
-              <a:rPr lang="en-US" dirty="0" smtClean="0">
-                <a:solidFill>
-                  <a:schemeClr val="bg1"/>
-                </a:solidFill>
-              </a:rPr>
-              <a:t>Differences in our Analyses</a:t>
-            </a:r>
-            <a:endParaRPr lang="en-US" dirty="0">
-              <a:solidFill>
-                <a:schemeClr val="bg1"/>
-              </a:solidFill>
-            </a:endParaRPr>
-          </a:p>
-        </p:txBody>
-      </p:sp>
-      <p:sp>
-        <p:nvSpPr>
-          <p:cNvPr id="3" name="Content Placeholder 2"/>
-          <p:cNvSpPr>
-            <a:spLocks noGrp="1"/>
-          </p:cNvSpPr>
-          <p:nvPr>
-            <p:ph idx="1"/>
-          </p:nvPr>
-        </p:nvSpPr>
-        <p:spPr/>
-        <p:txBody>
-          <a:bodyPr/>
-          <a:lstStyle/>
-          <a:p>
-            <a:r>
-              <a:rPr lang="en-US" dirty="0" smtClean="0">
-                <a:solidFill>
-                  <a:schemeClr val="bg1"/>
-                </a:solidFill>
-              </a:rPr>
-              <a:t>Due to time and computational constraints, imputation using Beagle 4.1 was performed on all genotypes in the USDA collection simultaneously rather than for individual panels.</a:t>
-            </a:r>
-          </a:p>
-          <a:p>
-            <a:pPr lvl="1"/>
-            <a:r>
-              <a:rPr lang="en-US" dirty="0" smtClean="0">
-                <a:solidFill>
-                  <a:schemeClr val="bg1"/>
-                </a:solidFill>
-              </a:rPr>
-              <a:t>This should actually improve imputation, but may change rare allele frequencies from original paper.</a:t>
-            </a:r>
-          </a:p>
-          <a:p>
-            <a:pPr lvl="1"/>
-            <a:r>
-              <a:rPr lang="en-US" dirty="0" smtClean="0">
-                <a:solidFill>
-                  <a:schemeClr val="bg1"/>
-                </a:solidFill>
-              </a:rPr>
-              <a:t>Williams_82_v1 used for original paper</a:t>
-            </a:r>
-          </a:p>
-        </p:txBody>
-      </p:sp>
-    </p:spTree>
-    <p:extLst>
-      <p:ext uri="{BB962C8B-B14F-4D97-AF65-F5344CB8AC3E}">
-        <p14:creationId xmlns:p14="http://schemas.microsoft.com/office/powerpoint/2010/main" val="1027512660"/>
-      </p:ext>
-    </p:extLst>
-  </p:cSld>
-  <p:clrMapOvr>
-    <a:masterClrMapping/>
-  </p:clrMapOvr>
-  <p:timing>
-    <p:tnLst>
-      <p:par>
-        <p:cTn id="1" dur="indefinite" restart="never" nodeType="tmRoot"/>
-      </p:par>
-    </p:tnLst>
-  </p:timing>
-</p:sld>
-</file>
-
-<file path=ppt/slides/slide15.xml><?xml version="1.0" encoding="utf-8"?>
-<p:sld xmlns:a="http://schemas.openxmlformats.org/drawingml/2006/main" xmlns:r="http://schemas.openxmlformats.org/officeDocument/2006/relationships" xmlns:p="http://schemas.openxmlformats.org/presentationml/2006/main">
-  <p:cSld>
-    <p:spTree>
-      <p:nvGrpSpPr>
-        <p:cNvPr id="1" name=""/>
-        <p:cNvGrpSpPr/>
-        <p:nvPr/>
-      </p:nvGrpSpPr>
-      <p:grpSpPr>
-        <a:xfrm>
-          <a:off x="0" y="0"/>
-          <a:ext cx="0" cy="0"/>
-          <a:chOff x="0" y="0"/>
-          <a:chExt cx="0" cy="0"/>
-        </a:xfrm>
-      </p:grpSpPr>
-      <p:sp>
-        <p:nvSpPr>
-          <p:cNvPr id="2" name="Title 1"/>
-          <p:cNvSpPr>
-            <a:spLocks noGrp="1"/>
-          </p:cNvSpPr>
-          <p:nvPr>
-            <p:ph type="title"/>
-          </p:nvPr>
-        </p:nvSpPr>
-        <p:spPr/>
-        <p:txBody>
           <a:bodyPr>
             <a:normAutofit fontScale="90000"/>
           </a:bodyPr>
@@ -4116,15 +4048,7 @@
                   <a:schemeClr val="bg1"/>
                 </a:solidFill>
               </a:rPr>
-              <a:t> </a:t>
-            </a:r>
-            <a:r>
-              <a:rPr lang="en-US" sz="3600" dirty="0" smtClean="0">
-                <a:solidFill>
-                  <a:schemeClr val="bg1"/>
-                </a:solidFill>
-              </a:rPr>
-              <a:t>Stem </a:t>
+              <a:t> Stem </a:t>
             </a:r>
             <a:r>
               <a:rPr lang="en-US" sz="3600" dirty="0">
@@ -4741,7 +4665,15 @@
                   <a:schemeClr val="bg1"/>
                 </a:solidFill>
               </a:rPr>
-              <a:t>U&amp;U</a:t>
+              <a:t>U</a:t>
+            </a:r>
+            <a:r>
+              <a:rPr lang="en-US" sz="1800" dirty="0">
+                <a:solidFill>
+                  <a:schemeClr val="bg1"/>
+                </a:solidFill>
+              </a:rPr>
+              <a:t>s</a:t>
             </a:r>
             <a:endParaRPr lang="en-US" sz="1800" dirty="0">
               <a:solidFill>
@@ -4771,7 +4703,7 @@
 </p:sld>
 </file>
 
-<file path=ppt/slides/slide16.xml><?xml version="1.0" encoding="utf-8"?>
+<file path=ppt/slides/slide15.xml><?xml version="1.0" encoding="utf-8"?>
 <p:sld xmlns:a="http://schemas.openxmlformats.org/drawingml/2006/main" xmlns:r="http://schemas.openxmlformats.org/officeDocument/2006/relationships" xmlns:p="http://schemas.openxmlformats.org/presentationml/2006/main">
   <p:cSld>
     <p:spTree>
@@ -4901,7 +4833,7 @@
       </p:pic>
       <p:sp>
         <p:nvSpPr>
-          <p:cNvPr id="6" name="Title 1"/>
+          <p:cNvPr id="8" name="Title 1"/>
           <p:cNvSpPr txBox="1">
             <a:spLocks/>
           </p:cNvSpPr>
@@ -4909,7 +4841,7 @@
         </p:nvSpPr>
         <p:spPr>
           <a:xfrm>
-            <a:off x="577307" y="5776350"/>
+            <a:off x="604245" y="5174983"/>
             <a:ext cx="3142905" cy="859415"/>
           </a:xfrm>
           <a:prstGeom prst="rect">
@@ -4941,16 +4873,24 @@
           </a:lstStyle>
           <a:p>
             <a:r>
-              <a:rPr lang="en-US" sz="1800" dirty="0" smtClean="0"/>
+              <a:rPr lang="en-US" sz="1800" dirty="0" smtClean="0">
+                <a:solidFill>
+                  <a:schemeClr val="bg1"/>
+                </a:solidFill>
+              </a:rPr>
               <a:t>Chang et al.</a:t>
             </a:r>
-            <a:endParaRPr lang="en-US" sz="1800" dirty="0"/>
+            <a:endParaRPr lang="en-US" sz="1800" dirty="0">
+              <a:solidFill>
+                <a:schemeClr val="bg1"/>
+              </a:solidFill>
+            </a:endParaRPr>
           </a:p>
         </p:txBody>
       </p:sp>
       <p:sp>
         <p:nvSpPr>
-          <p:cNvPr id="7" name="Title 1"/>
+          <p:cNvPr id="9" name="Title 1"/>
           <p:cNvSpPr txBox="1">
             <a:spLocks/>
           </p:cNvSpPr>
@@ -4958,7 +4898,7 @@
         </p:nvSpPr>
         <p:spPr>
           <a:xfrm>
-            <a:off x="6096000" y="6181450"/>
+            <a:off x="6525371" y="5213051"/>
             <a:ext cx="3142905" cy="859415"/>
           </a:xfrm>
           <a:prstGeom prst="rect">
@@ -4990,10 +4930,26 @@
           </a:lstStyle>
           <a:p>
             <a:r>
-              <a:rPr lang="en-US" sz="1800" dirty="0" smtClean="0"/>
-              <a:t>U&amp;U</a:t>
-            </a:r>
-            <a:endParaRPr lang="en-US" sz="1800" dirty="0"/>
+              <a:rPr lang="en-US" sz="1800" dirty="0" smtClean="0">
+                <a:solidFill>
+                  <a:schemeClr val="bg1"/>
+                </a:solidFill>
+              </a:rPr>
+              <a:t>U</a:t>
+            </a:r>
+            <a:r>
+              <a:rPr lang="en-US" sz="1800" dirty="0">
+                <a:solidFill>
+                  <a:schemeClr val="bg1"/>
+                </a:solidFill>
+              </a:rPr>
+              <a:t>s</a:t>
+            </a:r>
+            <a:endParaRPr lang="en-US" sz="1800" dirty="0">
+              <a:solidFill>
+                <a:schemeClr val="bg1"/>
+              </a:solidFill>
+            </a:endParaRPr>
           </a:p>
         </p:txBody>
       </p:sp>
@@ -5017,7 +4973,7 @@
 </p:sld>
 </file>
 
-<file path=ppt/slides/slide17.xml><?xml version="1.0" encoding="utf-8"?>
+<file path=ppt/slides/slide16.xml><?xml version="1.0" encoding="utf-8"?>
 <p:sld xmlns:a="http://schemas.openxmlformats.org/drawingml/2006/main" xmlns:r="http://schemas.openxmlformats.org/officeDocument/2006/relationships" xmlns:p="http://schemas.openxmlformats.org/presentationml/2006/main">
   <p:cSld>
     <p:spTree>
@@ -5304,7 +5260,15 @@
                   <a:schemeClr val="bg1"/>
                 </a:solidFill>
               </a:rPr>
-              <a:t>U&amp;U</a:t>
+              <a:t>U</a:t>
+            </a:r>
+            <a:r>
+              <a:rPr lang="en-US" sz="1800" dirty="0">
+                <a:solidFill>
+                  <a:schemeClr val="bg1"/>
+                </a:solidFill>
+              </a:rPr>
+              <a:t>s</a:t>
             </a:r>
             <a:endParaRPr lang="en-US" sz="1800" dirty="0">
               <a:solidFill>
@@ -5438,10 +5402,17 @@
   <p:clrMapOvr>
     <a:masterClrMapping/>
   </p:clrMapOvr>
+  <p:timing>
+    <p:tnLst>
+      <p:par>
+        <p:cTn id="1" dur="indefinite" restart="never" nodeType="tmRoot"/>
+      </p:par>
+    </p:tnLst>
+  </p:timing>
 </p:sld>
 </file>
 
-<file path=ppt/slides/slide18.xml><?xml version="1.0" encoding="utf-8"?>
+<file path=ppt/slides/slide17.xml><?xml version="1.0" encoding="utf-8"?>
 <p:sld xmlns:a="http://schemas.openxmlformats.org/drawingml/2006/main" xmlns:r="http://schemas.openxmlformats.org/officeDocument/2006/relationships" xmlns:p="http://schemas.openxmlformats.org/presentationml/2006/main">
   <p:cSld>
     <p:spTree>
@@ -5854,32 +5825,19 @@
                   <a:schemeClr val="bg1"/>
                 </a:solidFill>
               </a:rPr>
-              <a:t>Missing </a:t>
-            </a:r>
+              <a:t>Missing genotypes</a:t>
+            </a:r>
+          </a:p>
+          <a:p>
+            <a:pPr lvl="2"/>
             <a:r>
               <a:rPr lang="en-US" sz="2800" dirty="0" smtClean="0">
                 <a:solidFill>
                   <a:schemeClr val="bg1"/>
                 </a:solidFill>
               </a:rPr>
-              <a:t>genotypes</a:t>
-            </a:r>
-          </a:p>
-          <a:p>
-            <a:pPr lvl="2"/>
-            <a:r>
-              <a:rPr lang="en-US" sz="2800" dirty="0" smtClean="0">
-                <a:solidFill>
-                  <a:schemeClr val="bg1"/>
-                </a:solidFill>
-              </a:rPr>
               <a:t>Creation of Manhattan Plots</a:t>
             </a:r>
-            <a:endParaRPr lang="en-US" sz="2800" dirty="0" smtClean="0">
-              <a:solidFill>
-                <a:schemeClr val="bg1"/>
-              </a:solidFill>
-            </a:endParaRPr>
           </a:p>
         </p:txBody>
       </p:sp>
@@ -5893,10 +5851,17 @@
   <p:clrMapOvr>
     <a:masterClrMapping/>
   </p:clrMapOvr>
+  <p:timing>
+    <p:tnLst>
+      <p:par>
+        <p:cTn id="1" dur="indefinite" restart="never" nodeType="tmRoot"/>
+      </p:par>
+    </p:tnLst>
+  </p:timing>
 </p:sld>
 </file>
 
-<file path=ppt/slides/slide19.xml><?xml version="1.0" encoding="utf-8"?>
+<file path=ppt/slides/slide18.xml><?xml version="1.0" encoding="utf-8"?>
 <p:sld xmlns:a="http://schemas.openxmlformats.org/drawingml/2006/main" xmlns:r="http://schemas.openxmlformats.org/officeDocument/2006/relationships" xmlns:p="http://schemas.openxmlformats.org/presentationml/2006/main">
   <p:cSld>
     <p:spTree>
@@ -5968,6 +5933,810 @@
   <p:clrMapOvr>
     <a:masterClrMapping/>
   </p:clrMapOvr>
+  <p:timing>
+    <p:tnLst>
+      <p:par>
+        <p:cTn id="1" dur="indefinite" restart="never" nodeType="tmRoot"/>
+      </p:par>
+    </p:tnLst>
+  </p:timing>
+</p:sld>
+</file>
+
+<file path=ppt/slides/slide19.xml><?xml version="1.0" encoding="utf-8"?>
+<p:sld xmlns:a="http://schemas.openxmlformats.org/drawingml/2006/main" xmlns:r="http://schemas.openxmlformats.org/officeDocument/2006/relationships" xmlns:p="http://schemas.openxmlformats.org/presentationml/2006/main">
+  <p:cSld>
+    <p:spTree>
+      <p:nvGrpSpPr>
+        <p:cNvPr id="1" name=""/>
+        <p:cNvGrpSpPr/>
+        <p:nvPr/>
+      </p:nvGrpSpPr>
+      <p:grpSpPr>
+        <a:xfrm>
+          <a:off x="0" y="0"/>
+          <a:ext cx="0" cy="0"/>
+          <a:chOff x="0" y="0"/>
+          <a:chExt cx="0" cy="0"/>
+        </a:xfrm>
+      </p:grpSpPr>
+      <p:sp>
+        <p:nvSpPr>
+          <p:cNvPr id="2" name="Title 1"/>
+          <p:cNvSpPr>
+            <a:spLocks noGrp="1"/>
+          </p:cNvSpPr>
+          <p:nvPr>
+            <p:ph type="title"/>
+          </p:nvPr>
+        </p:nvSpPr>
+        <p:spPr/>
+        <p:txBody>
+          <a:bodyPr/>
+          <a:lstStyle/>
+          <a:p>
+            <a:r>
+              <a:rPr lang="en-US" dirty="0" smtClean="0"/>
+              <a:t>Description of the Group	</a:t>
+            </a:r>
+            <a:endParaRPr lang="en-US" dirty="0"/>
+          </a:p>
+        </p:txBody>
+      </p:sp>
+      <p:sp>
+        <p:nvSpPr>
+          <p:cNvPr id="3" name="Content Placeholder 2"/>
+          <p:cNvSpPr>
+            <a:spLocks noGrp="1"/>
+          </p:cNvSpPr>
+          <p:nvPr>
+            <p:ph idx="1"/>
+          </p:nvPr>
+        </p:nvSpPr>
+        <p:spPr>
+          <a:xfrm>
+            <a:off x="990600" y="1417638"/>
+            <a:ext cx="4887686" cy="2599191"/>
+          </a:xfrm>
+        </p:spPr>
+        <p:txBody>
+          <a:bodyPr>
+            <a:normAutofit/>
+          </a:bodyPr>
+          <a:lstStyle/>
+          <a:p>
+            <a:pPr marL="0" indent="0">
+              <a:buNone/>
+            </a:pPr>
+            <a:r>
+              <a:rPr lang="en-US" sz="2800" dirty="0" smtClean="0">
+                <a:latin typeface="+mn-lt"/>
+              </a:rPr>
+              <a:t>John</a:t>
+            </a:r>
+          </a:p>
+          <a:p>
+            <a:pPr lvl="1">
+              <a:buFont typeface="Arial" panose="020B0604020202020204" pitchFamily="34" charset="0"/>
+              <a:buChar char="•"/>
+            </a:pPr>
+            <a:r>
+              <a:rPr lang="en-US" dirty="0" smtClean="0">
+                <a:latin typeface="+mn-lt"/>
+              </a:rPr>
+              <a:t>Scraped USDA webpage to acquire data</a:t>
+            </a:r>
+          </a:p>
+          <a:p>
+            <a:pPr lvl="1">
+              <a:buFont typeface="Arial" panose="020B0604020202020204" pitchFamily="34" charset="0"/>
+              <a:buChar char="•"/>
+            </a:pPr>
+            <a:r>
+              <a:rPr lang="en-US" dirty="0" smtClean="0">
+                <a:latin typeface="+mn-lt"/>
+              </a:rPr>
+              <a:t>Initialization of R code</a:t>
+            </a:r>
+          </a:p>
+          <a:p>
+            <a:pPr marL="457188" lvl="1" indent="0">
+              <a:buNone/>
+            </a:pPr>
+            <a:endParaRPr lang="en-US" dirty="0" smtClean="0"/>
+          </a:p>
+        </p:txBody>
+      </p:sp>
+      <p:sp>
+        <p:nvSpPr>
+          <p:cNvPr id="4" name="Content Placeholder 2"/>
+          <p:cNvSpPr txBox="1">
+            <a:spLocks/>
+          </p:cNvSpPr>
+          <p:nvPr/>
+        </p:nvSpPr>
+        <p:spPr>
+          <a:xfrm>
+            <a:off x="6259286" y="1417638"/>
+            <a:ext cx="5218810" cy="1978705"/>
+          </a:xfrm>
+          <a:prstGeom prst="rect">
+            <a:avLst/>
+          </a:prstGeom>
+        </p:spPr>
+        <p:txBody>
+          <a:bodyPr vert="horz" lIns="91440" tIns="45720" rIns="91440" bIns="45720" rtlCol="0">
+            <a:normAutofit/>
+          </a:bodyPr>
+          <a:lstStyle>
+            <a:lvl1pPr marL="228600" indent="-228600" algn="l" defTabSz="914400" rtl="0" eaLnBrk="1" latinLnBrk="0" hangingPunct="1">
+              <a:lnSpc>
+                <a:spcPct val="90000"/>
+              </a:lnSpc>
+              <a:spcBef>
+                <a:spcPts val="1000"/>
+              </a:spcBef>
+              <a:buFont typeface="Arial" panose="020B0604020202020204" pitchFamily="34" charset="0"/>
+              <a:buChar char="•"/>
+              <a:defRPr sz="2800" kern="1200">
+                <a:solidFill>
+                  <a:schemeClr val="tx1"/>
+                </a:solidFill>
+                <a:latin typeface="+mn-lt"/>
+                <a:ea typeface="+mn-ea"/>
+                <a:cs typeface="+mn-cs"/>
+              </a:defRPr>
+            </a:lvl1pPr>
+            <a:lvl2pPr marL="685800" indent="-228600" algn="l" defTabSz="914400" rtl="0" eaLnBrk="1" latinLnBrk="0" hangingPunct="1">
+              <a:lnSpc>
+                <a:spcPct val="90000"/>
+              </a:lnSpc>
+              <a:spcBef>
+                <a:spcPts val="500"/>
+              </a:spcBef>
+              <a:buFont typeface="Arial" panose="020B0604020202020204" pitchFamily="34" charset="0"/>
+              <a:buChar char="•"/>
+              <a:defRPr sz="2400" kern="1200">
+                <a:solidFill>
+                  <a:schemeClr val="tx1"/>
+                </a:solidFill>
+                <a:latin typeface="+mn-lt"/>
+                <a:ea typeface="+mn-ea"/>
+                <a:cs typeface="+mn-cs"/>
+              </a:defRPr>
+            </a:lvl2pPr>
+            <a:lvl3pPr marL="1143000" indent="-228600" algn="l" defTabSz="914400" rtl="0" eaLnBrk="1" latinLnBrk="0" hangingPunct="1">
+              <a:lnSpc>
+                <a:spcPct val="90000"/>
+              </a:lnSpc>
+              <a:spcBef>
+                <a:spcPts val="500"/>
+              </a:spcBef>
+              <a:buFont typeface="Arial" panose="020B0604020202020204" pitchFamily="34" charset="0"/>
+              <a:buChar char="•"/>
+              <a:defRPr sz="2000" kern="1200">
+                <a:solidFill>
+                  <a:schemeClr val="tx1"/>
+                </a:solidFill>
+                <a:latin typeface="+mn-lt"/>
+                <a:ea typeface="+mn-ea"/>
+                <a:cs typeface="+mn-cs"/>
+              </a:defRPr>
+            </a:lvl3pPr>
+            <a:lvl4pPr marL="1600200" indent="-228600" algn="l" defTabSz="914400" rtl="0" eaLnBrk="1" latinLnBrk="0" hangingPunct="1">
+              <a:lnSpc>
+                <a:spcPct val="90000"/>
+              </a:lnSpc>
+              <a:spcBef>
+                <a:spcPts val="500"/>
+              </a:spcBef>
+              <a:buFont typeface="Arial" panose="020B0604020202020204" pitchFamily="34" charset="0"/>
+              <a:buChar char="•"/>
+              <a:defRPr sz="1800" kern="1200">
+                <a:solidFill>
+                  <a:schemeClr val="tx1"/>
+                </a:solidFill>
+                <a:latin typeface="+mn-lt"/>
+                <a:ea typeface="+mn-ea"/>
+                <a:cs typeface="+mn-cs"/>
+              </a:defRPr>
+            </a:lvl4pPr>
+            <a:lvl5pPr marL="2057400" indent="-228600" algn="l" defTabSz="914400" rtl="0" eaLnBrk="1" latinLnBrk="0" hangingPunct="1">
+              <a:lnSpc>
+                <a:spcPct val="90000"/>
+              </a:lnSpc>
+              <a:spcBef>
+                <a:spcPts val="500"/>
+              </a:spcBef>
+              <a:buFont typeface="Arial" panose="020B0604020202020204" pitchFamily="34" charset="0"/>
+              <a:buChar char="•"/>
+              <a:defRPr sz="1800" kern="1200">
+                <a:solidFill>
+                  <a:schemeClr val="tx1"/>
+                </a:solidFill>
+                <a:latin typeface="+mn-lt"/>
+                <a:ea typeface="+mn-ea"/>
+                <a:cs typeface="+mn-cs"/>
+              </a:defRPr>
+            </a:lvl5pPr>
+            <a:lvl6pPr marL="2514600" indent="-228600" algn="l" defTabSz="914400" rtl="0" eaLnBrk="1" latinLnBrk="0" hangingPunct="1">
+              <a:lnSpc>
+                <a:spcPct val="90000"/>
+              </a:lnSpc>
+              <a:spcBef>
+                <a:spcPts val="500"/>
+              </a:spcBef>
+              <a:buFont typeface="Arial" panose="020B0604020202020204" pitchFamily="34" charset="0"/>
+              <a:buChar char="•"/>
+              <a:defRPr sz="1800" kern="1200">
+                <a:solidFill>
+                  <a:schemeClr val="tx1"/>
+                </a:solidFill>
+                <a:latin typeface="+mn-lt"/>
+                <a:ea typeface="+mn-ea"/>
+                <a:cs typeface="+mn-cs"/>
+              </a:defRPr>
+            </a:lvl6pPr>
+            <a:lvl7pPr marL="2971800" indent="-228600" algn="l" defTabSz="914400" rtl="0" eaLnBrk="1" latinLnBrk="0" hangingPunct="1">
+              <a:lnSpc>
+                <a:spcPct val="90000"/>
+              </a:lnSpc>
+              <a:spcBef>
+                <a:spcPts val="500"/>
+              </a:spcBef>
+              <a:buFont typeface="Arial" panose="020B0604020202020204" pitchFamily="34" charset="0"/>
+              <a:buChar char="•"/>
+              <a:defRPr sz="1800" kern="1200">
+                <a:solidFill>
+                  <a:schemeClr val="tx1"/>
+                </a:solidFill>
+                <a:latin typeface="+mn-lt"/>
+                <a:ea typeface="+mn-ea"/>
+                <a:cs typeface="+mn-cs"/>
+              </a:defRPr>
+            </a:lvl7pPr>
+            <a:lvl8pPr marL="3429000" indent="-228600" algn="l" defTabSz="914400" rtl="0" eaLnBrk="1" latinLnBrk="0" hangingPunct="1">
+              <a:lnSpc>
+                <a:spcPct val="90000"/>
+              </a:lnSpc>
+              <a:spcBef>
+                <a:spcPts val="500"/>
+              </a:spcBef>
+              <a:buFont typeface="Arial" panose="020B0604020202020204" pitchFamily="34" charset="0"/>
+              <a:buChar char="•"/>
+              <a:defRPr sz="1800" kern="1200">
+                <a:solidFill>
+                  <a:schemeClr val="tx1"/>
+                </a:solidFill>
+                <a:latin typeface="+mn-lt"/>
+                <a:ea typeface="+mn-ea"/>
+                <a:cs typeface="+mn-cs"/>
+              </a:defRPr>
+            </a:lvl8pPr>
+            <a:lvl9pPr marL="3886200" indent="-228600" algn="l" defTabSz="914400" rtl="0" eaLnBrk="1" latinLnBrk="0" hangingPunct="1">
+              <a:lnSpc>
+                <a:spcPct val="90000"/>
+              </a:lnSpc>
+              <a:spcBef>
+                <a:spcPts val="500"/>
+              </a:spcBef>
+              <a:buFont typeface="Arial" panose="020B0604020202020204" pitchFamily="34" charset="0"/>
+              <a:buChar char="•"/>
+              <a:defRPr sz="1800" kern="1200">
+                <a:solidFill>
+                  <a:schemeClr val="tx1"/>
+                </a:solidFill>
+                <a:latin typeface="+mn-lt"/>
+                <a:ea typeface="+mn-ea"/>
+                <a:cs typeface="+mn-cs"/>
+              </a:defRPr>
+            </a:lvl9pPr>
+          </a:lstStyle>
+          <a:p>
+            <a:pPr marL="0" indent="0">
+              <a:buNone/>
+            </a:pPr>
+            <a:r>
+              <a:rPr lang="en-US" dirty="0" smtClean="0">
+                <a:solidFill>
+                  <a:schemeClr val="bg1"/>
+                </a:solidFill>
+              </a:rPr>
+              <a:t>Benjamin</a:t>
+            </a:r>
+          </a:p>
+          <a:p>
+            <a:pPr lvl="1"/>
+            <a:r>
+              <a:rPr lang="en-US" sz="2800" dirty="0" smtClean="0">
+                <a:solidFill>
+                  <a:schemeClr val="bg1"/>
+                </a:solidFill>
+              </a:rPr>
+              <a:t>Comparison of results</a:t>
+            </a:r>
+          </a:p>
+          <a:p>
+            <a:pPr lvl="1"/>
+            <a:r>
+              <a:rPr lang="en-US" sz="2800" dirty="0" smtClean="0">
+                <a:solidFill>
+                  <a:schemeClr val="bg1"/>
+                </a:solidFill>
+              </a:rPr>
+              <a:t>Markdown containing pipeline documentation</a:t>
+            </a:r>
+            <a:r>
+              <a:rPr lang="en-US" dirty="0" smtClean="0"/>
+              <a:t>	</a:t>
+            </a:r>
+            <a:endParaRPr lang="en-US" dirty="0"/>
+          </a:p>
+        </p:txBody>
+      </p:sp>
+      <p:sp>
+        <p:nvSpPr>
+          <p:cNvPr id="5" name="Content Placeholder 2"/>
+          <p:cNvSpPr txBox="1">
+            <a:spLocks/>
+          </p:cNvSpPr>
+          <p:nvPr/>
+        </p:nvSpPr>
+        <p:spPr>
+          <a:xfrm>
+            <a:off x="6276505" y="3702225"/>
+            <a:ext cx="5915495" cy="1674236"/>
+          </a:xfrm>
+          <a:prstGeom prst="rect">
+            <a:avLst/>
+          </a:prstGeom>
+        </p:spPr>
+        <p:txBody>
+          <a:bodyPr vert="horz" lIns="91440" tIns="45720" rIns="91440" bIns="45720" rtlCol="0">
+            <a:noAutofit/>
+          </a:bodyPr>
+          <a:lstStyle>
+            <a:lvl1pPr marL="228600" indent="-228600" algn="l" defTabSz="914400" rtl="0" eaLnBrk="1" latinLnBrk="0" hangingPunct="1">
+              <a:lnSpc>
+                <a:spcPct val="90000"/>
+              </a:lnSpc>
+              <a:spcBef>
+                <a:spcPts val="1000"/>
+              </a:spcBef>
+              <a:buFont typeface="Arial" panose="020B0604020202020204" pitchFamily="34" charset="0"/>
+              <a:buChar char="•"/>
+              <a:defRPr sz="2800" kern="1200">
+                <a:solidFill>
+                  <a:schemeClr val="tx1"/>
+                </a:solidFill>
+                <a:latin typeface="+mn-lt"/>
+                <a:ea typeface="+mn-ea"/>
+                <a:cs typeface="+mn-cs"/>
+              </a:defRPr>
+            </a:lvl1pPr>
+            <a:lvl2pPr marL="685800" indent="-228600" algn="l" defTabSz="914400" rtl="0" eaLnBrk="1" latinLnBrk="0" hangingPunct="1">
+              <a:lnSpc>
+                <a:spcPct val="90000"/>
+              </a:lnSpc>
+              <a:spcBef>
+                <a:spcPts val="500"/>
+              </a:spcBef>
+              <a:buFont typeface="Arial" panose="020B0604020202020204" pitchFamily="34" charset="0"/>
+              <a:buChar char="•"/>
+              <a:defRPr sz="2400" kern="1200">
+                <a:solidFill>
+                  <a:schemeClr val="tx1"/>
+                </a:solidFill>
+                <a:latin typeface="+mn-lt"/>
+                <a:ea typeface="+mn-ea"/>
+                <a:cs typeface="+mn-cs"/>
+              </a:defRPr>
+            </a:lvl2pPr>
+            <a:lvl3pPr marL="1143000" indent="-228600" algn="l" defTabSz="914400" rtl="0" eaLnBrk="1" latinLnBrk="0" hangingPunct="1">
+              <a:lnSpc>
+                <a:spcPct val="90000"/>
+              </a:lnSpc>
+              <a:spcBef>
+                <a:spcPts val="500"/>
+              </a:spcBef>
+              <a:buFont typeface="Arial" panose="020B0604020202020204" pitchFamily="34" charset="0"/>
+              <a:buChar char="•"/>
+              <a:defRPr sz="2000" kern="1200">
+                <a:solidFill>
+                  <a:schemeClr val="tx1"/>
+                </a:solidFill>
+                <a:latin typeface="+mn-lt"/>
+                <a:ea typeface="+mn-ea"/>
+                <a:cs typeface="+mn-cs"/>
+              </a:defRPr>
+            </a:lvl3pPr>
+            <a:lvl4pPr marL="1600200" indent="-228600" algn="l" defTabSz="914400" rtl="0" eaLnBrk="1" latinLnBrk="0" hangingPunct="1">
+              <a:lnSpc>
+                <a:spcPct val="90000"/>
+              </a:lnSpc>
+              <a:spcBef>
+                <a:spcPts val="500"/>
+              </a:spcBef>
+              <a:buFont typeface="Arial" panose="020B0604020202020204" pitchFamily="34" charset="0"/>
+              <a:buChar char="•"/>
+              <a:defRPr sz="1800" kern="1200">
+                <a:solidFill>
+                  <a:schemeClr val="tx1"/>
+                </a:solidFill>
+                <a:latin typeface="+mn-lt"/>
+                <a:ea typeface="+mn-ea"/>
+                <a:cs typeface="+mn-cs"/>
+              </a:defRPr>
+            </a:lvl4pPr>
+            <a:lvl5pPr marL="2057400" indent="-228600" algn="l" defTabSz="914400" rtl="0" eaLnBrk="1" latinLnBrk="0" hangingPunct="1">
+              <a:lnSpc>
+                <a:spcPct val="90000"/>
+              </a:lnSpc>
+              <a:spcBef>
+                <a:spcPts val="500"/>
+              </a:spcBef>
+              <a:buFont typeface="Arial" panose="020B0604020202020204" pitchFamily="34" charset="0"/>
+              <a:buChar char="•"/>
+              <a:defRPr sz="1800" kern="1200">
+                <a:solidFill>
+                  <a:schemeClr val="tx1"/>
+                </a:solidFill>
+                <a:latin typeface="+mn-lt"/>
+                <a:ea typeface="+mn-ea"/>
+                <a:cs typeface="+mn-cs"/>
+              </a:defRPr>
+            </a:lvl5pPr>
+            <a:lvl6pPr marL="2514600" indent="-228600" algn="l" defTabSz="914400" rtl="0" eaLnBrk="1" latinLnBrk="0" hangingPunct="1">
+              <a:lnSpc>
+                <a:spcPct val="90000"/>
+              </a:lnSpc>
+              <a:spcBef>
+                <a:spcPts val="500"/>
+              </a:spcBef>
+              <a:buFont typeface="Arial" panose="020B0604020202020204" pitchFamily="34" charset="0"/>
+              <a:buChar char="•"/>
+              <a:defRPr sz="1800" kern="1200">
+                <a:solidFill>
+                  <a:schemeClr val="tx1"/>
+                </a:solidFill>
+                <a:latin typeface="+mn-lt"/>
+                <a:ea typeface="+mn-ea"/>
+                <a:cs typeface="+mn-cs"/>
+              </a:defRPr>
+            </a:lvl6pPr>
+            <a:lvl7pPr marL="2971800" indent="-228600" algn="l" defTabSz="914400" rtl="0" eaLnBrk="1" latinLnBrk="0" hangingPunct="1">
+              <a:lnSpc>
+                <a:spcPct val="90000"/>
+              </a:lnSpc>
+              <a:spcBef>
+                <a:spcPts val="500"/>
+              </a:spcBef>
+              <a:buFont typeface="Arial" panose="020B0604020202020204" pitchFamily="34" charset="0"/>
+              <a:buChar char="•"/>
+              <a:defRPr sz="1800" kern="1200">
+                <a:solidFill>
+                  <a:schemeClr val="tx1"/>
+                </a:solidFill>
+                <a:latin typeface="+mn-lt"/>
+                <a:ea typeface="+mn-ea"/>
+                <a:cs typeface="+mn-cs"/>
+              </a:defRPr>
+            </a:lvl7pPr>
+            <a:lvl8pPr marL="3429000" indent="-228600" algn="l" defTabSz="914400" rtl="0" eaLnBrk="1" latinLnBrk="0" hangingPunct="1">
+              <a:lnSpc>
+                <a:spcPct val="90000"/>
+              </a:lnSpc>
+              <a:spcBef>
+                <a:spcPts val="500"/>
+              </a:spcBef>
+              <a:buFont typeface="Arial" panose="020B0604020202020204" pitchFamily="34" charset="0"/>
+              <a:buChar char="•"/>
+              <a:defRPr sz="1800" kern="1200">
+                <a:solidFill>
+                  <a:schemeClr val="tx1"/>
+                </a:solidFill>
+                <a:latin typeface="+mn-lt"/>
+                <a:ea typeface="+mn-ea"/>
+                <a:cs typeface="+mn-cs"/>
+              </a:defRPr>
+            </a:lvl8pPr>
+            <a:lvl9pPr marL="3886200" indent="-228600" algn="l" defTabSz="914400" rtl="0" eaLnBrk="1" latinLnBrk="0" hangingPunct="1">
+              <a:lnSpc>
+                <a:spcPct val="90000"/>
+              </a:lnSpc>
+              <a:spcBef>
+                <a:spcPts val="500"/>
+              </a:spcBef>
+              <a:buFont typeface="Arial" panose="020B0604020202020204" pitchFamily="34" charset="0"/>
+              <a:buChar char="•"/>
+              <a:defRPr sz="1800" kern="1200">
+                <a:solidFill>
+                  <a:schemeClr val="tx1"/>
+                </a:solidFill>
+                <a:latin typeface="+mn-lt"/>
+                <a:ea typeface="+mn-ea"/>
+                <a:cs typeface="+mn-cs"/>
+              </a:defRPr>
+            </a:lvl9pPr>
+          </a:lstStyle>
+          <a:p>
+            <a:pPr marL="0" indent="0">
+              <a:buNone/>
+            </a:pPr>
+            <a:r>
+              <a:rPr lang="en-US" dirty="0" smtClean="0"/>
+              <a:t>Colton</a:t>
+            </a:r>
+          </a:p>
+          <a:p>
+            <a:pPr lvl="1"/>
+            <a:r>
+              <a:rPr lang="en-US" sz="2800" dirty="0" smtClean="0"/>
+              <a:t>Data imputation using Beagle software</a:t>
+            </a:r>
+          </a:p>
+          <a:p>
+            <a:pPr lvl="1"/>
+            <a:r>
+              <a:rPr lang="en-US" sz="2800" dirty="0" smtClean="0"/>
+              <a:t>For loop to pare down the code</a:t>
+            </a:r>
+            <a:endParaRPr lang="en-US" sz="2800" dirty="0"/>
+          </a:p>
+        </p:txBody>
+      </p:sp>
+      <p:sp>
+        <p:nvSpPr>
+          <p:cNvPr id="6" name="Content Placeholder 2"/>
+          <p:cNvSpPr txBox="1">
+            <a:spLocks/>
+          </p:cNvSpPr>
+          <p:nvPr/>
+        </p:nvSpPr>
+        <p:spPr>
+          <a:xfrm>
+            <a:off x="990600" y="3702225"/>
+            <a:ext cx="5410200" cy="1674236"/>
+          </a:xfrm>
+          <a:prstGeom prst="rect">
+            <a:avLst/>
+          </a:prstGeom>
+        </p:spPr>
+        <p:txBody>
+          <a:bodyPr vert="horz" lIns="91440" tIns="45720" rIns="91440" bIns="45720" rtlCol="0">
+            <a:noAutofit/>
+          </a:bodyPr>
+          <a:lstStyle>
+            <a:lvl1pPr marL="228600" indent="-228600" algn="l" defTabSz="914400" rtl="0" eaLnBrk="1" latinLnBrk="0" hangingPunct="1">
+              <a:lnSpc>
+                <a:spcPct val="90000"/>
+              </a:lnSpc>
+              <a:spcBef>
+                <a:spcPts val="1000"/>
+              </a:spcBef>
+              <a:buFont typeface="Arial" panose="020B0604020202020204" pitchFamily="34" charset="0"/>
+              <a:buChar char="•"/>
+              <a:defRPr sz="2800" kern="1200">
+                <a:solidFill>
+                  <a:schemeClr val="tx1"/>
+                </a:solidFill>
+                <a:latin typeface="+mn-lt"/>
+                <a:ea typeface="+mn-ea"/>
+                <a:cs typeface="+mn-cs"/>
+              </a:defRPr>
+            </a:lvl1pPr>
+            <a:lvl2pPr marL="685800" indent="-228600" algn="l" defTabSz="914400" rtl="0" eaLnBrk="1" latinLnBrk="0" hangingPunct="1">
+              <a:lnSpc>
+                <a:spcPct val="90000"/>
+              </a:lnSpc>
+              <a:spcBef>
+                <a:spcPts val="500"/>
+              </a:spcBef>
+              <a:buFont typeface="Arial" panose="020B0604020202020204" pitchFamily="34" charset="0"/>
+              <a:buChar char="•"/>
+              <a:defRPr sz="2400" kern="1200">
+                <a:solidFill>
+                  <a:schemeClr val="tx1"/>
+                </a:solidFill>
+                <a:latin typeface="+mn-lt"/>
+                <a:ea typeface="+mn-ea"/>
+                <a:cs typeface="+mn-cs"/>
+              </a:defRPr>
+            </a:lvl2pPr>
+            <a:lvl3pPr marL="1143000" indent="-228600" algn="l" defTabSz="914400" rtl="0" eaLnBrk="1" latinLnBrk="0" hangingPunct="1">
+              <a:lnSpc>
+                <a:spcPct val="90000"/>
+              </a:lnSpc>
+              <a:spcBef>
+                <a:spcPts val="500"/>
+              </a:spcBef>
+              <a:buFont typeface="Arial" panose="020B0604020202020204" pitchFamily="34" charset="0"/>
+              <a:buChar char="•"/>
+              <a:defRPr sz="2000" kern="1200">
+                <a:solidFill>
+                  <a:schemeClr val="tx1"/>
+                </a:solidFill>
+                <a:latin typeface="+mn-lt"/>
+                <a:ea typeface="+mn-ea"/>
+                <a:cs typeface="+mn-cs"/>
+              </a:defRPr>
+            </a:lvl3pPr>
+            <a:lvl4pPr marL="1600200" indent="-228600" algn="l" defTabSz="914400" rtl="0" eaLnBrk="1" latinLnBrk="0" hangingPunct="1">
+              <a:lnSpc>
+                <a:spcPct val="90000"/>
+              </a:lnSpc>
+              <a:spcBef>
+                <a:spcPts val="500"/>
+              </a:spcBef>
+              <a:buFont typeface="Arial" panose="020B0604020202020204" pitchFamily="34" charset="0"/>
+              <a:buChar char="•"/>
+              <a:defRPr sz="1800" kern="1200">
+                <a:solidFill>
+                  <a:schemeClr val="tx1"/>
+                </a:solidFill>
+                <a:latin typeface="+mn-lt"/>
+                <a:ea typeface="+mn-ea"/>
+                <a:cs typeface="+mn-cs"/>
+              </a:defRPr>
+            </a:lvl4pPr>
+            <a:lvl5pPr marL="2057400" indent="-228600" algn="l" defTabSz="914400" rtl="0" eaLnBrk="1" latinLnBrk="0" hangingPunct="1">
+              <a:lnSpc>
+                <a:spcPct val="90000"/>
+              </a:lnSpc>
+              <a:spcBef>
+                <a:spcPts val="500"/>
+              </a:spcBef>
+              <a:buFont typeface="Arial" panose="020B0604020202020204" pitchFamily="34" charset="0"/>
+              <a:buChar char="•"/>
+              <a:defRPr sz="1800" kern="1200">
+                <a:solidFill>
+                  <a:schemeClr val="tx1"/>
+                </a:solidFill>
+                <a:latin typeface="+mn-lt"/>
+                <a:ea typeface="+mn-ea"/>
+                <a:cs typeface="+mn-cs"/>
+              </a:defRPr>
+            </a:lvl5pPr>
+            <a:lvl6pPr marL="2514600" indent="-228600" algn="l" defTabSz="914400" rtl="0" eaLnBrk="1" latinLnBrk="0" hangingPunct="1">
+              <a:lnSpc>
+                <a:spcPct val="90000"/>
+              </a:lnSpc>
+              <a:spcBef>
+                <a:spcPts val="500"/>
+              </a:spcBef>
+              <a:buFont typeface="Arial" panose="020B0604020202020204" pitchFamily="34" charset="0"/>
+              <a:buChar char="•"/>
+              <a:defRPr sz="1800" kern="1200">
+                <a:solidFill>
+                  <a:schemeClr val="tx1"/>
+                </a:solidFill>
+                <a:latin typeface="+mn-lt"/>
+                <a:ea typeface="+mn-ea"/>
+                <a:cs typeface="+mn-cs"/>
+              </a:defRPr>
+            </a:lvl6pPr>
+            <a:lvl7pPr marL="2971800" indent="-228600" algn="l" defTabSz="914400" rtl="0" eaLnBrk="1" latinLnBrk="0" hangingPunct="1">
+              <a:lnSpc>
+                <a:spcPct val="90000"/>
+              </a:lnSpc>
+              <a:spcBef>
+                <a:spcPts val="500"/>
+              </a:spcBef>
+              <a:buFont typeface="Arial" panose="020B0604020202020204" pitchFamily="34" charset="0"/>
+              <a:buChar char="•"/>
+              <a:defRPr sz="1800" kern="1200">
+                <a:solidFill>
+                  <a:schemeClr val="tx1"/>
+                </a:solidFill>
+                <a:latin typeface="+mn-lt"/>
+                <a:ea typeface="+mn-ea"/>
+                <a:cs typeface="+mn-cs"/>
+              </a:defRPr>
+            </a:lvl7pPr>
+            <a:lvl8pPr marL="3429000" indent="-228600" algn="l" defTabSz="914400" rtl="0" eaLnBrk="1" latinLnBrk="0" hangingPunct="1">
+              <a:lnSpc>
+                <a:spcPct val="90000"/>
+              </a:lnSpc>
+              <a:spcBef>
+                <a:spcPts val="500"/>
+              </a:spcBef>
+              <a:buFont typeface="Arial" panose="020B0604020202020204" pitchFamily="34" charset="0"/>
+              <a:buChar char="•"/>
+              <a:defRPr sz="1800" kern="1200">
+                <a:solidFill>
+                  <a:schemeClr val="tx1"/>
+                </a:solidFill>
+                <a:latin typeface="+mn-lt"/>
+                <a:ea typeface="+mn-ea"/>
+                <a:cs typeface="+mn-cs"/>
+              </a:defRPr>
+            </a:lvl8pPr>
+            <a:lvl9pPr marL="3886200" indent="-228600" algn="l" defTabSz="914400" rtl="0" eaLnBrk="1" latinLnBrk="0" hangingPunct="1">
+              <a:lnSpc>
+                <a:spcPct val="90000"/>
+              </a:lnSpc>
+              <a:spcBef>
+                <a:spcPts val="500"/>
+              </a:spcBef>
+              <a:buFont typeface="Arial" panose="020B0604020202020204" pitchFamily="34" charset="0"/>
+              <a:buChar char="•"/>
+              <a:defRPr sz="1800" kern="1200">
+                <a:solidFill>
+                  <a:schemeClr val="tx1"/>
+                </a:solidFill>
+                <a:latin typeface="+mn-lt"/>
+                <a:ea typeface="+mn-ea"/>
+                <a:cs typeface="+mn-cs"/>
+              </a:defRPr>
+            </a:lvl9pPr>
+          </a:lstStyle>
+          <a:p>
+            <a:pPr marL="0" indent="0">
+              <a:buNone/>
+            </a:pPr>
+            <a:r>
+              <a:rPr lang="en-US" dirty="0" smtClean="0">
+                <a:solidFill>
+                  <a:schemeClr val="bg1"/>
+                </a:solidFill>
+              </a:rPr>
+              <a:t>Kevin</a:t>
+            </a:r>
+          </a:p>
+          <a:p>
+            <a:pPr lvl="1"/>
+            <a:r>
+              <a:rPr lang="en-US" sz="2800" dirty="0" err="1" smtClean="0">
+                <a:solidFill>
+                  <a:schemeClr val="bg1"/>
+                </a:solidFill>
+              </a:rPr>
+              <a:t>Soybase</a:t>
+            </a:r>
+            <a:r>
+              <a:rPr lang="en-US" sz="2800" dirty="0" smtClean="0">
+                <a:solidFill>
+                  <a:schemeClr val="bg1"/>
+                </a:solidFill>
+              </a:rPr>
+              <a:t> gene identification</a:t>
+            </a:r>
+          </a:p>
+          <a:p>
+            <a:pPr lvl="1"/>
+            <a:r>
+              <a:rPr lang="en-US" sz="2800" dirty="0" smtClean="0">
+                <a:solidFill>
+                  <a:schemeClr val="bg1"/>
+                </a:solidFill>
+              </a:rPr>
+              <a:t>Presentation</a:t>
+            </a:r>
+            <a:endParaRPr lang="en-US" sz="2800" dirty="0">
+              <a:solidFill>
+                <a:schemeClr val="bg1"/>
+              </a:solidFill>
+            </a:endParaRPr>
+          </a:p>
+        </p:txBody>
+      </p:sp>
+    </p:spTree>
+    <p:extLst>
+      <p:ext uri="{BB962C8B-B14F-4D97-AF65-F5344CB8AC3E}">
+        <p14:creationId xmlns:p14="http://schemas.microsoft.com/office/powerpoint/2010/main" val="321961698"/>
+      </p:ext>
+    </p:extLst>
+  </p:cSld>
+  <p:clrMapOvr>
+    <a:masterClrMapping/>
+  </p:clrMapOvr>
+  <p:timing>
+    <p:tnLst>
+      <p:par>
+        <p:cTn id="1" dur="indefinite" restart="never" nodeType="tmRoot"/>
+      </p:par>
+    </p:tnLst>
+  </p:timing>
 </p:sld>
 </file>
 
@@ -6046,7 +6815,10 @@
             </a:r>
           </a:p>
           <a:p>
-            <a:pPr lvl="1"/>
+            <a:pPr lvl="1">
+              <a:buFont typeface="Arial" charset="0"/>
+              <a:buChar char="•"/>
+            </a:pPr>
             <a:r>
               <a:rPr lang="en-US" dirty="0" smtClean="0">
                 <a:solidFill>
@@ -6057,7 +6829,10 @@
             </a:r>
           </a:p>
           <a:p>
-            <a:pPr lvl="1"/>
+            <a:pPr lvl="1">
+              <a:buFont typeface="Arial" charset="0"/>
+              <a:buChar char="•"/>
+            </a:pPr>
             <a:r>
               <a:rPr lang="en-US" dirty="0" smtClean="0">
                 <a:solidFill>
@@ -6187,800 +6962,13 @@
   <p:clrMapOvr>
     <a:masterClrMapping/>
   </p:clrMapOvr>
-</p:sld>
-</file>
-
-<file path=ppt/slides/slide20.xml><?xml version="1.0" encoding="utf-8"?>
-<p:sld xmlns:a="http://schemas.openxmlformats.org/drawingml/2006/main" xmlns:r="http://schemas.openxmlformats.org/officeDocument/2006/relationships" xmlns:p="http://schemas.openxmlformats.org/presentationml/2006/main">
-  <p:cSld>
-    <p:spTree>
-      <p:nvGrpSpPr>
-        <p:cNvPr id="1" name=""/>
-        <p:cNvGrpSpPr/>
-        <p:nvPr/>
-      </p:nvGrpSpPr>
-      <p:grpSpPr>
-        <a:xfrm>
-          <a:off x="0" y="0"/>
-          <a:ext cx="0" cy="0"/>
-          <a:chOff x="0" y="0"/>
-          <a:chExt cx="0" cy="0"/>
-        </a:xfrm>
-      </p:grpSpPr>
-      <p:sp>
-        <p:nvSpPr>
-          <p:cNvPr id="2" name="Title 1"/>
-          <p:cNvSpPr>
-            <a:spLocks noGrp="1"/>
-          </p:cNvSpPr>
-          <p:nvPr>
-            <p:ph type="title"/>
-          </p:nvPr>
-        </p:nvSpPr>
-        <p:spPr/>
-        <p:txBody>
-          <a:bodyPr/>
-          <a:lstStyle/>
-          <a:p>
-            <a:r>
-              <a:rPr lang="en-US" dirty="0" smtClean="0"/>
-              <a:t>Description of the Group	</a:t>
-            </a:r>
-            <a:endParaRPr lang="en-US" dirty="0"/>
-          </a:p>
-        </p:txBody>
-      </p:sp>
-      <p:sp>
-        <p:nvSpPr>
-          <p:cNvPr id="3" name="Content Placeholder 2"/>
-          <p:cNvSpPr>
-            <a:spLocks noGrp="1"/>
-          </p:cNvSpPr>
-          <p:nvPr>
-            <p:ph idx="1"/>
-          </p:nvPr>
-        </p:nvSpPr>
-        <p:spPr>
-          <a:xfrm>
-            <a:off x="990600" y="1417638"/>
-            <a:ext cx="4887686" cy="2599191"/>
-          </a:xfrm>
-        </p:spPr>
-        <p:txBody>
-          <a:bodyPr>
-            <a:normAutofit/>
-          </a:bodyPr>
-          <a:lstStyle/>
-          <a:p>
-            <a:pPr marL="0" indent="0">
-              <a:buNone/>
-            </a:pPr>
-            <a:r>
-              <a:rPr lang="en-US" sz="2800" dirty="0" smtClean="0">
-                <a:latin typeface="+mn-lt"/>
-              </a:rPr>
-              <a:t>John</a:t>
-            </a:r>
-          </a:p>
-          <a:p>
-            <a:pPr lvl="1">
-              <a:buFont typeface="Arial" panose="020B0604020202020204" pitchFamily="34" charset="0"/>
-              <a:buChar char="•"/>
-            </a:pPr>
-            <a:r>
-              <a:rPr lang="en-US" dirty="0" smtClean="0">
-                <a:latin typeface="+mn-lt"/>
-              </a:rPr>
-              <a:t>Scraped USDA webpage to acquire data</a:t>
-            </a:r>
-          </a:p>
-          <a:p>
-            <a:pPr lvl="1">
-              <a:buFont typeface="Arial" panose="020B0604020202020204" pitchFamily="34" charset="0"/>
-              <a:buChar char="•"/>
-            </a:pPr>
-            <a:r>
-              <a:rPr lang="en-US" dirty="0" smtClean="0">
-                <a:latin typeface="+mn-lt"/>
-              </a:rPr>
-              <a:t>Initialization of R code</a:t>
-            </a:r>
-          </a:p>
-          <a:p>
-            <a:pPr marL="457188" lvl="1" indent="0">
-              <a:buNone/>
-            </a:pPr>
-            <a:endParaRPr lang="en-US" dirty="0" smtClean="0"/>
-          </a:p>
-        </p:txBody>
-      </p:sp>
-      <p:sp>
-        <p:nvSpPr>
-          <p:cNvPr id="4" name="Content Placeholder 2"/>
-          <p:cNvSpPr txBox="1">
-            <a:spLocks/>
-          </p:cNvSpPr>
-          <p:nvPr/>
-        </p:nvSpPr>
-        <p:spPr>
-          <a:xfrm>
-            <a:off x="6259286" y="1417638"/>
-            <a:ext cx="5218810" cy="1978705"/>
-          </a:xfrm>
-          <a:prstGeom prst="rect">
-            <a:avLst/>
-          </a:prstGeom>
-        </p:spPr>
-        <p:txBody>
-          <a:bodyPr vert="horz" lIns="91440" tIns="45720" rIns="91440" bIns="45720" rtlCol="0">
-            <a:normAutofit/>
-          </a:bodyPr>
-          <a:lstStyle>
-            <a:lvl1pPr marL="228600" indent="-228600" algn="l" defTabSz="914400" rtl="0" eaLnBrk="1" latinLnBrk="0" hangingPunct="1">
-              <a:lnSpc>
-                <a:spcPct val="90000"/>
-              </a:lnSpc>
-              <a:spcBef>
-                <a:spcPts val="1000"/>
-              </a:spcBef>
-              <a:buFont typeface="Arial" panose="020B0604020202020204" pitchFamily="34" charset="0"/>
-              <a:buChar char="•"/>
-              <a:defRPr sz="2800" kern="1200">
-                <a:solidFill>
-                  <a:schemeClr val="tx1"/>
-                </a:solidFill>
-                <a:latin typeface="+mn-lt"/>
-                <a:ea typeface="+mn-ea"/>
-                <a:cs typeface="+mn-cs"/>
-              </a:defRPr>
-            </a:lvl1pPr>
-            <a:lvl2pPr marL="685800" indent="-228600" algn="l" defTabSz="914400" rtl="0" eaLnBrk="1" latinLnBrk="0" hangingPunct="1">
-              <a:lnSpc>
-                <a:spcPct val="90000"/>
-              </a:lnSpc>
-              <a:spcBef>
-                <a:spcPts val="500"/>
-              </a:spcBef>
-              <a:buFont typeface="Arial" panose="020B0604020202020204" pitchFamily="34" charset="0"/>
-              <a:buChar char="•"/>
-              <a:defRPr sz="2400" kern="1200">
-                <a:solidFill>
-                  <a:schemeClr val="tx1"/>
-                </a:solidFill>
-                <a:latin typeface="+mn-lt"/>
-                <a:ea typeface="+mn-ea"/>
-                <a:cs typeface="+mn-cs"/>
-              </a:defRPr>
-            </a:lvl2pPr>
-            <a:lvl3pPr marL="1143000" indent="-228600" algn="l" defTabSz="914400" rtl="0" eaLnBrk="1" latinLnBrk="0" hangingPunct="1">
-              <a:lnSpc>
-                <a:spcPct val="90000"/>
-              </a:lnSpc>
-              <a:spcBef>
-                <a:spcPts val="500"/>
-              </a:spcBef>
-              <a:buFont typeface="Arial" panose="020B0604020202020204" pitchFamily="34" charset="0"/>
-              <a:buChar char="•"/>
-              <a:defRPr sz="2000" kern="1200">
-                <a:solidFill>
-                  <a:schemeClr val="tx1"/>
-                </a:solidFill>
-                <a:latin typeface="+mn-lt"/>
-                <a:ea typeface="+mn-ea"/>
-                <a:cs typeface="+mn-cs"/>
-              </a:defRPr>
-            </a:lvl3pPr>
-            <a:lvl4pPr marL="1600200" indent="-228600" algn="l" defTabSz="914400" rtl="0" eaLnBrk="1" latinLnBrk="0" hangingPunct="1">
-              <a:lnSpc>
-                <a:spcPct val="90000"/>
-              </a:lnSpc>
-              <a:spcBef>
-                <a:spcPts val="500"/>
-              </a:spcBef>
-              <a:buFont typeface="Arial" panose="020B0604020202020204" pitchFamily="34" charset="0"/>
-              <a:buChar char="•"/>
-              <a:defRPr sz="1800" kern="1200">
-                <a:solidFill>
-                  <a:schemeClr val="tx1"/>
-                </a:solidFill>
-                <a:latin typeface="+mn-lt"/>
-                <a:ea typeface="+mn-ea"/>
-                <a:cs typeface="+mn-cs"/>
-              </a:defRPr>
-            </a:lvl4pPr>
-            <a:lvl5pPr marL="2057400" indent="-228600" algn="l" defTabSz="914400" rtl="0" eaLnBrk="1" latinLnBrk="0" hangingPunct="1">
-              <a:lnSpc>
-                <a:spcPct val="90000"/>
-              </a:lnSpc>
-              <a:spcBef>
-                <a:spcPts val="500"/>
-              </a:spcBef>
-              <a:buFont typeface="Arial" panose="020B0604020202020204" pitchFamily="34" charset="0"/>
-              <a:buChar char="•"/>
-              <a:defRPr sz="1800" kern="1200">
-                <a:solidFill>
-                  <a:schemeClr val="tx1"/>
-                </a:solidFill>
-                <a:latin typeface="+mn-lt"/>
-                <a:ea typeface="+mn-ea"/>
-                <a:cs typeface="+mn-cs"/>
-              </a:defRPr>
-            </a:lvl5pPr>
-            <a:lvl6pPr marL="2514600" indent="-228600" algn="l" defTabSz="914400" rtl="0" eaLnBrk="1" latinLnBrk="0" hangingPunct="1">
-              <a:lnSpc>
-                <a:spcPct val="90000"/>
-              </a:lnSpc>
-              <a:spcBef>
-                <a:spcPts val="500"/>
-              </a:spcBef>
-              <a:buFont typeface="Arial" panose="020B0604020202020204" pitchFamily="34" charset="0"/>
-              <a:buChar char="•"/>
-              <a:defRPr sz="1800" kern="1200">
-                <a:solidFill>
-                  <a:schemeClr val="tx1"/>
-                </a:solidFill>
-                <a:latin typeface="+mn-lt"/>
-                <a:ea typeface="+mn-ea"/>
-                <a:cs typeface="+mn-cs"/>
-              </a:defRPr>
-            </a:lvl6pPr>
-            <a:lvl7pPr marL="2971800" indent="-228600" algn="l" defTabSz="914400" rtl="0" eaLnBrk="1" latinLnBrk="0" hangingPunct="1">
-              <a:lnSpc>
-                <a:spcPct val="90000"/>
-              </a:lnSpc>
-              <a:spcBef>
-                <a:spcPts val="500"/>
-              </a:spcBef>
-              <a:buFont typeface="Arial" panose="020B0604020202020204" pitchFamily="34" charset="0"/>
-              <a:buChar char="•"/>
-              <a:defRPr sz="1800" kern="1200">
-                <a:solidFill>
-                  <a:schemeClr val="tx1"/>
-                </a:solidFill>
-                <a:latin typeface="+mn-lt"/>
-                <a:ea typeface="+mn-ea"/>
-                <a:cs typeface="+mn-cs"/>
-              </a:defRPr>
-            </a:lvl7pPr>
-            <a:lvl8pPr marL="3429000" indent="-228600" algn="l" defTabSz="914400" rtl="0" eaLnBrk="1" latinLnBrk="0" hangingPunct="1">
-              <a:lnSpc>
-                <a:spcPct val="90000"/>
-              </a:lnSpc>
-              <a:spcBef>
-                <a:spcPts val="500"/>
-              </a:spcBef>
-              <a:buFont typeface="Arial" panose="020B0604020202020204" pitchFamily="34" charset="0"/>
-              <a:buChar char="•"/>
-              <a:defRPr sz="1800" kern="1200">
-                <a:solidFill>
-                  <a:schemeClr val="tx1"/>
-                </a:solidFill>
-                <a:latin typeface="+mn-lt"/>
-                <a:ea typeface="+mn-ea"/>
-                <a:cs typeface="+mn-cs"/>
-              </a:defRPr>
-            </a:lvl8pPr>
-            <a:lvl9pPr marL="3886200" indent="-228600" algn="l" defTabSz="914400" rtl="0" eaLnBrk="1" latinLnBrk="0" hangingPunct="1">
-              <a:lnSpc>
-                <a:spcPct val="90000"/>
-              </a:lnSpc>
-              <a:spcBef>
-                <a:spcPts val="500"/>
-              </a:spcBef>
-              <a:buFont typeface="Arial" panose="020B0604020202020204" pitchFamily="34" charset="0"/>
-              <a:buChar char="•"/>
-              <a:defRPr sz="1800" kern="1200">
-                <a:solidFill>
-                  <a:schemeClr val="tx1"/>
-                </a:solidFill>
-                <a:latin typeface="+mn-lt"/>
-                <a:ea typeface="+mn-ea"/>
-                <a:cs typeface="+mn-cs"/>
-              </a:defRPr>
-            </a:lvl9pPr>
-          </a:lstStyle>
-          <a:p>
-            <a:pPr marL="0" indent="0">
-              <a:buNone/>
-            </a:pPr>
-            <a:r>
-              <a:rPr lang="en-US" dirty="0" smtClean="0">
-                <a:solidFill>
-                  <a:schemeClr val="bg1"/>
-                </a:solidFill>
-              </a:rPr>
-              <a:t>Benjamin</a:t>
-            </a:r>
-          </a:p>
-          <a:p>
-            <a:pPr lvl="1"/>
-            <a:r>
-              <a:rPr lang="en-US" sz="2800" dirty="0" smtClean="0">
-                <a:solidFill>
-                  <a:schemeClr val="bg1"/>
-                </a:solidFill>
-              </a:rPr>
-              <a:t>Comparison of results</a:t>
-            </a:r>
-          </a:p>
-          <a:p>
-            <a:pPr lvl="1"/>
-            <a:r>
-              <a:rPr lang="en-US" sz="2800" dirty="0" smtClean="0">
-                <a:solidFill>
-                  <a:schemeClr val="bg1"/>
-                </a:solidFill>
-              </a:rPr>
-              <a:t>Markdown containing pipeline documentation</a:t>
-            </a:r>
-            <a:r>
-              <a:rPr lang="en-US" dirty="0" smtClean="0"/>
-              <a:t>	</a:t>
-            </a:r>
-            <a:endParaRPr lang="en-US" dirty="0"/>
-          </a:p>
-        </p:txBody>
-      </p:sp>
-      <p:sp>
-        <p:nvSpPr>
-          <p:cNvPr id="5" name="Content Placeholder 2"/>
-          <p:cNvSpPr txBox="1">
-            <a:spLocks/>
-          </p:cNvSpPr>
-          <p:nvPr/>
-        </p:nvSpPr>
-        <p:spPr>
-          <a:xfrm>
-            <a:off x="6276505" y="3702225"/>
-            <a:ext cx="5915495" cy="1674236"/>
-          </a:xfrm>
-          <a:prstGeom prst="rect">
-            <a:avLst/>
-          </a:prstGeom>
-        </p:spPr>
-        <p:txBody>
-          <a:bodyPr vert="horz" lIns="91440" tIns="45720" rIns="91440" bIns="45720" rtlCol="0">
-            <a:noAutofit/>
-          </a:bodyPr>
-          <a:lstStyle>
-            <a:lvl1pPr marL="228600" indent="-228600" algn="l" defTabSz="914400" rtl="0" eaLnBrk="1" latinLnBrk="0" hangingPunct="1">
-              <a:lnSpc>
-                <a:spcPct val="90000"/>
-              </a:lnSpc>
-              <a:spcBef>
-                <a:spcPts val="1000"/>
-              </a:spcBef>
-              <a:buFont typeface="Arial" panose="020B0604020202020204" pitchFamily="34" charset="0"/>
-              <a:buChar char="•"/>
-              <a:defRPr sz="2800" kern="1200">
-                <a:solidFill>
-                  <a:schemeClr val="tx1"/>
-                </a:solidFill>
-                <a:latin typeface="+mn-lt"/>
-                <a:ea typeface="+mn-ea"/>
-                <a:cs typeface="+mn-cs"/>
-              </a:defRPr>
-            </a:lvl1pPr>
-            <a:lvl2pPr marL="685800" indent="-228600" algn="l" defTabSz="914400" rtl="0" eaLnBrk="1" latinLnBrk="0" hangingPunct="1">
-              <a:lnSpc>
-                <a:spcPct val="90000"/>
-              </a:lnSpc>
-              <a:spcBef>
-                <a:spcPts val="500"/>
-              </a:spcBef>
-              <a:buFont typeface="Arial" panose="020B0604020202020204" pitchFamily="34" charset="0"/>
-              <a:buChar char="•"/>
-              <a:defRPr sz="2400" kern="1200">
-                <a:solidFill>
-                  <a:schemeClr val="tx1"/>
-                </a:solidFill>
-                <a:latin typeface="+mn-lt"/>
-                <a:ea typeface="+mn-ea"/>
-                <a:cs typeface="+mn-cs"/>
-              </a:defRPr>
-            </a:lvl2pPr>
-            <a:lvl3pPr marL="1143000" indent="-228600" algn="l" defTabSz="914400" rtl="0" eaLnBrk="1" latinLnBrk="0" hangingPunct="1">
-              <a:lnSpc>
-                <a:spcPct val="90000"/>
-              </a:lnSpc>
-              <a:spcBef>
-                <a:spcPts val="500"/>
-              </a:spcBef>
-              <a:buFont typeface="Arial" panose="020B0604020202020204" pitchFamily="34" charset="0"/>
-              <a:buChar char="•"/>
-              <a:defRPr sz="2000" kern="1200">
-                <a:solidFill>
-                  <a:schemeClr val="tx1"/>
-                </a:solidFill>
-                <a:latin typeface="+mn-lt"/>
-                <a:ea typeface="+mn-ea"/>
-                <a:cs typeface="+mn-cs"/>
-              </a:defRPr>
-            </a:lvl3pPr>
-            <a:lvl4pPr marL="1600200" indent="-228600" algn="l" defTabSz="914400" rtl="0" eaLnBrk="1" latinLnBrk="0" hangingPunct="1">
-              <a:lnSpc>
-                <a:spcPct val="90000"/>
-              </a:lnSpc>
-              <a:spcBef>
-                <a:spcPts val="500"/>
-              </a:spcBef>
-              <a:buFont typeface="Arial" panose="020B0604020202020204" pitchFamily="34" charset="0"/>
-              <a:buChar char="•"/>
-              <a:defRPr sz="1800" kern="1200">
-                <a:solidFill>
-                  <a:schemeClr val="tx1"/>
-                </a:solidFill>
-                <a:latin typeface="+mn-lt"/>
-                <a:ea typeface="+mn-ea"/>
-                <a:cs typeface="+mn-cs"/>
-              </a:defRPr>
-            </a:lvl4pPr>
-            <a:lvl5pPr marL="2057400" indent="-228600" algn="l" defTabSz="914400" rtl="0" eaLnBrk="1" latinLnBrk="0" hangingPunct="1">
-              <a:lnSpc>
-                <a:spcPct val="90000"/>
-              </a:lnSpc>
-              <a:spcBef>
-                <a:spcPts val="500"/>
-              </a:spcBef>
-              <a:buFont typeface="Arial" panose="020B0604020202020204" pitchFamily="34" charset="0"/>
-              <a:buChar char="•"/>
-              <a:defRPr sz="1800" kern="1200">
-                <a:solidFill>
-                  <a:schemeClr val="tx1"/>
-                </a:solidFill>
-                <a:latin typeface="+mn-lt"/>
-                <a:ea typeface="+mn-ea"/>
-                <a:cs typeface="+mn-cs"/>
-              </a:defRPr>
-            </a:lvl5pPr>
-            <a:lvl6pPr marL="2514600" indent="-228600" algn="l" defTabSz="914400" rtl="0" eaLnBrk="1" latinLnBrk="0" hangingPunct="1">
-              <a:lnSpc>
-                <a:spcPct val="90000"/>
-              </a:lnSpc>
-              <a:spcBef>
-                <a:spcPts val="500"/>
-              </a:spcBef>
-              <a:buFont typeface="Arial" panose="020B0604020202020204" pitchFamily="34" charset="0"/>
-              <a:buChar char="•"/>
-              <a:defRPr sz="1800" kern="1200">
-                <a:solidFill>
-                  <a:schemeClr val="tx1"/>
-                </a:solidFill>
-                <a:latin typeface="+mn-lt"/>
-                <a:ea typeface="+mn-ea"/>
-                <a:cs typeface="+mn-cs"/>
-              </a:defRPr>
-            </a:lvl6pPr>
-            <a:lvl7pPr marL="2971800" indent="-228600" algn="l" defTabSz="914400" rtl="0" eaLnBrk="1" latinLnBrk="0" hangingPunct="1">
-              <a:lnSpc>
-                <a:spcPct val="90000"/>
-              </a:lnSpc>
-              <a:spcBef>
-                <a:spcPts val="500"/>
-              </a:spcBef>
-              <a:buFont typeface="Arial" panose="020B0604020202020204" pitchFamily="34" charset="0"/>
-              <a:buChar char="•"/>
-              <a:defRPr sz="1800" kern="1200">
-                <a:solidFill>
-                  <a:schemeClr val="tx1"/>
-                </a:solidFill>
-                <a:latin typeface="+mn-lt"/>
-                <a:ea typeface="+mn-ea"/>
-                <a:cs typeface="+mn-cs"/>
-              </a:defRPr>
-            </a:lvl7pPr>
-            <a:lvl8pPr marL="3429000" indent="-228600" algn="l" defTabSz="914400" rtl="0" eaLnBrk="1" latinLnBrk="0" hangingPunct="1">
-              <a:lnSpc>
-                <a:spcPct val="90000"/>
-              </a:lnSpc>
-              <a:spcBef>
-                <a:spcPts val="500"/>
-              </a:spcBef>
-              <a:buFont typeface="Arial" panose="020B0604020202020204" pitchFamily="34" charset="0"/>
-              <a:buChar char="•"/>
-              <a:defRPr sz="1800" kern="1200">
-                <a:solidFill>
-                  <a:schemeClr val="tx1"/>
-                </a:solidFill>
-                <a:latin typeface="+mn-lt"/>
-                <a:ea typeface="+mn-ea"/>
-                <a:cs typeface="+mn-cs"/>
-              </a:defRPr>
-            </a:lvl8pPr>
-            <a:lvl9pPr marL="3886200" indent="-228600" algn="l" defTabSz="914400" rtl="0" eaLnBrk="1" latinLnBrk="0" hangingPunct="1">
-              <a:lnSpc>
-                <a:spcPct val="90000"/>
-              </a:lnSpc>
-              <a:spcBef>
-                <a:spcPts val="500"/>
-              </a:spcBef>
-              <a:buFont typeface="Arial" panose="020B0604020202020204" pitchFamily="34" charset="0"/>
-              <a:buChar char="•"/>
-              <a:defRPr sz="1800" kern="1200">
-                <a:solidFill>
-                  <a:schemeClr val="tx1"/>
-                </a:solidFill>
-                <a:latin typeface="+mn-lt"/>
-                <a:ea typeface="+mn-ea"/>
-                <a:cs typeface="+mn-cs"/>
-              </a:defRPr>
-            </a:lvl9pPr>
-          </a:lstStyle>
-          <a:p>
-            <a:pPr marL="0" indent="0">
-              <a:buNone/>
-            </a:pPr>
-            <a:r>
-              <a:rPr lang="en-US" dirty="0" smtClean="0"/>
-              <a:t>Colton</a:t>
-            </a:r>
-          </a:p>
-          <a:p>
-            <a:pPr lvl="1"/>
-            <a:r>
-              <a:rPr lang="en-US" sz="2800" dirty="0" smtClean="0"/>
-              <a:t>Data imputation using Beagle software</a:t>
-            </a:r>
-          </a:p>
-          <a:p>
-            <a:pPr lvl="1"/>
-            <a:r>
-              <a:rPr lang="en-US" sz="2800" dirty="0" smtClean="0"/>
-              <a:t>For loop to </a:t>
-            </a:r>
-            <a:r>
-              <a:rPr lang="en-US" sz="2800" dirty="0" smtClean="0"/>
-              <a:t>pare down the code</a:t>
-            </a:r>
-            <a:endParaRPr lang="en-US" sz="2800" dirty="0"/>
-          </a:p>
-        </p:txBody>
-      </p:sp>
-      <p:sp>
-        <p:nvSpPr>
-          <p:cNvPr id="6" name="Content Placeholder 2"/>
-          <p:cNvSpPr txBox="1">
-            <a:spLocks/>
-          </p:cNvSpPr>
-          <p:nvPr/>
-        </p:nvSpPr>
-        <p:spPr>
-          <a:xfrm>
-            <a:off x="990600" y="3702225"/>
-            <a:ext cx="5410200" cy="1674236"/>
-          </a:xfrm>
-          <a:prstGeom prst="rect">
-            <a:avLst/>
-          </a:prstGeom>
-        </p:spPr>
-        <p:txBody>
-          <a:bodyPr vert="horz" lIns="91440" tIns="45720" rIns="91440" bIns="45720" rtlCol="0">
-            <a:noAutofit/>
-          </a:bodyPr>
-          <a:lstStyle>
-            <a:lvl1pPr marL="228600" indent="-228600" algn="l" defTabSz="914400" rtl="0" eaLnBrk="1" latinLnBrk="0" hangingPunct="1">
-              <a:lnSpc>
-                <a:spcPct val="90000"/>
-              </a:lnSpc>
-              <a:spcBef>
-                <a:spcPts val="1000"/>
-              </a:spcBef>
-              <a:buFont typeface="Arial" panose="020B0604020202020204" pitchFamily="34" charset="0"/>
-              <a:buChar char="•"/>
-              <a:defRPr sz="2800" kern="1200">
-                <a:solidFill>
-                  <a:schemeClr val="tx1"/>
-                </a:solidFill>
-                <a:latin typeface="+mn-lt"/>
-                <a:ea typeface="+mn-ea"/>
-                <a:cs typeface="+mn-cs"/>
-              </a:defRPr>
-            </a:lvl1pPr>
-            <a:lvl2pPr marL="685800" indent="-228600" algn="l" defTabSz="914400" rtl="0" eaLnBrk="1" latinLnBrk="0" hangingPunct="1">
-              <a:lnSpc>
-                <a:spcPct val="90000"/>
-              </a:lnSpc>
-              <a:spcBef>
-                <a:spcPts val="500"/>
-              </a:spcBef>
-              <a:buFont typeface="Arial" panose="020B0604020202020204" pitchFamily="34" charset="0"/>
-              <a:buChar char="•"/>
-              <a:defRPr sz="2400" kern="1200">
-                <a:solidFill>
-                  <a:schemeClr val="tx1"/>
-                </a:solidFill>
-                <a:latin typeface="+mn-lt"/>
-                <a:ea typeface="+mn-ea"/>
-                <a:cs typeface="+mn-cs"/>
-              </a:defRPr>
-            </a:lvl2pPr>
-            <a:lvl3pPr marL="1143000" indent="-228600" algn="l" defTabSz="914400" rtl="0" eaLnBrk="1" latinLnBrk="0" hangingPunct="1">
-              <a:lnSpc>
-                <a:spcPct val="90000"/>
-              </a:lnSpc>
-              <a:spcBef>
-                <a:spcPts val="500"/>
-              </a:spcBef>
-              <a:buFont typeface="Arial" panose="020B0604020202020204" pitchFamily="34" charset="0"/>
-              <a:buChar char="•"/>
-              <a:defRPr sz="2000" kern="1200">
-                <a:solidFill>
-                  <a:schemeClr val="tx1"/>
-                </a:solidFill>
-                <a:latin typeface="+mn-lt"/>
-                <a:ea typeface="+mn-ea"/>
-                <a:cs typeface="+mn-cs"/>
-              </a:defRPr>
-            </a:lvl3pPr>
-            <a:lvl4pPr marL="1600200" indent="-228600" algn="l" defTabSz="914400" rtl="0" eaLnBrk="1" latinLnBrk="0" hangingPunct="1">
-              <a:lnSpc>
-                <a:spcPct val="90000"/>
-              </a:lnSpc>
-              <a:spcBef>
-                <a:spcPts val="500"/>
-              </a:spcBef>
-              <a:buFont typeface="Arial" panose="020B0604020202020204" pitchFamily="34" charset="0"/>
-              <a:buChar char="•"/>
-              <a:defRPr sz="1800" kern="1200">
-                <a:solidFill>
-                  <a:schemeClr val="tx1"/>
-                </a:solidFill>
-                <a:latin typeface="+mn-lt"/>
-                <a:ea typeface="+mn-ea"/>
-                <a:cs typeface="+mn-cs"/>
-              </a:defRPr>
-            </a:lvl4pPr>
-            <a:lvl5pPr marL="2057400" indent="-228600" algn="l" defTabSz="914400" rtl="0" eaLnBrk="1" latinLnBrk="0" hangingPunct="1">
-              <a:lnSpc>
-                <a:spcPct val="90000"/>
-              </a:lnSpc>
-              <a:spcBef>
-                <a:spcPts val="500"/>
-              </a:spcBef>
-              <a:buFont typeface="Arial" panose="020B0604020202020204" pitchFamily="34" charset="0"/>
-              <a:buChar char="•"/>
-              <a:defRPr sz="1800" kern="1200">
-                <a:solidFill>
-                  <a:schemeClr val="tx1"/>
-                </a:solidFill>
-                <a:latin typeface="+mn-lt"/>
-                <a:ea typeface="+mn-ea"/>
-                <a:cs typeface="+mn-cs"/>
-              </a:defRPr>
-            </a:lvl5pPr>
-            <a:lvl6pPr marL="2514600" indent="-228600" algn="l" defTabSz="914400" rtl="0" eaLnBrk="1" latinLnBrk="0" hangingPunct="1">
-              <a:lnSpc>
-                <a:spcPct val="90000"/>
-              </a:lnSpc>
-              <a:spcBef>
-                <a:spcPts val="500"/>
-              </a:spcBef>
-              <a:buFont typeface="Arial" panose="020B0604020202020204" pitchFamily="34" charset="0"/>
-              <a:buChar char="•"/>
-              <a:defRPr sz="1800" kern="1200">
-                <a:solidFill>
-                  <a:schemeClr val="tx1"/>
-                </a:solidFill>
-                <a:latin typeface="+mn-lt"/>
-                <a:ea typeface="+mn-ea"/>
-                <a:cs typeface="+mn-cs"/>
-              </a:defRPr>
-            </a:lvl6pPr>
-            <a:lvl7pPr marL="2971800" indent="-228600" algn="l" defTabSz="914400" rtl="0" eaLnBrk="1" latinLnBrk="0" hangingPunct="1">
-              <a:lnSpc>
-                <a:spcPct val="90000"/>
-              </a:lnSpc>
-              <a:spcBef>
-                <a:spcPts val="500"/>
-              </a:spcBef>
-              <a:buFont typeface="Arial" panose="020B0604020202020204" pitchFamily="34" charset="0"/>
-              <a:buChar char="•"/>
-              <a:defRPr sz="1800" kern="1200">
-                <a:solidFill>
-                  <a:schemeClr val="tx1"/>
-                </a:solidFill>
-                <a:latin typeface="+mn-lt"/>
-                <a:ea typeface="+mn-ea"/>
-                <a:cs typeface="+mn-cs"/>
-              </a:defRPr>
-            </a:lvl7pPr>
-            <a:lvl8pPr marL="3429000" indent="-228600" algn="l" defTabSz="914400" rtl="0" eaLnBrk="1" latinLnBrk="0" hangingPunct="1">
-              <a:lnSpc>
-                <a:spcPct val="90000"/>
-              </a:lnSpc>
-              <a:spcBef>
-                <a:spcPts val="500"/>
-              </a:spcBef>
-              <a:buFont typeface="Arial" panose="020B0604020202020204" pitchFamily="34" charset="0"/>
-              <a:buChar char="•"/>
-              <a:defRPr sz="1800" kern="1200">
-                <a:solidFill>
-                  <a:schemeClr val="tx1"/>
-                </a:solidFill>
-                <a:latin typeface="+mn-lt"/>
-                <a:ea typeface="+mn-ea"/>
-                <a:cs typeface="+mn-cs"/>
-              </a:defRPr>
-            </a:lvl8pPr>
-            <a:lvl9pPr marL="3886200" indent="-228600" algn="l" defTabSz="914400" rtl="0" eaLnBrk="1" latinLnBrk="0" hangingPunct="1">
-              <a:lnSpc>
-                <a:spcPct val="90000"/>
-              </a:lnSpc>
-              <a:spcBef>
-                <a:spcPts val="500"/>
-              </a:spcBef>
-              <a:buFont typeface="Arial" panose="020B0604020202020204" pitchFamily="34" charset="0"/>
-              <a:buChar char="•"/>
-              <a:defRPr sz="1800" kern="1200">
-                <a:solidFill>
-                  <a:schemeClr val="tx1"/>
-                </a:solidFill>
-                <a:latin typeface="+mn-lt"/>
-                <a:ea typeface="+mn-ea"/>
-                <a:cs typeface="+mn-cs"/>
-              </a:defRPr>
-            </a:lvl9pPr>
-          </a:lstStyle>
-          <a:p>
-            <a:pPr marL="0" indent="0">
-              <a:buNone/>
-            </a:pPr>
-            <a:r>
-              <a:rPr lang="en-US" dirty="0" smtClean="0">
-                <a:solidFill>
-                  <a:schemeClr val="bg1"/>
-                </a:solidFill>
-              </a:rPr>
-              <a:t>Kevin</a:t>
-            </a:r>
-          </a:p>
-          <a:p>
-            <a:pPr lvl="1"/>
-            <a:r>
-              <a:rPr lang="en-US" sz="2800" dirty="0" err="1" smtClean="0">
-                <a:solidFill>
-                  <a:schemeClr val="bg1"/>
-                </a:solidFill>
-              </a:rPr>
-              <a:t>Soybase</a:t>
-            </a:r>
-            <a:r>
-              <a:rPr lang="en-US" sz="2800" dirty="0" smtClean="0">
-                <a:solidFill>
-                  <a:schemeClr val="bg1"/>
-                </a:solidFill>
-              </a:rPr>
-              <a:t> gene identification</a:t>
-            </a:r>
-          </a:p>
-          <a:p>
-            <a:pPr lvl="1"/>
-            <a:r>
-              <a:rPr lang="en-US" sz="2800" dirty="0" smtClean="0">
-                <a:solidFill>
-                  <a:schemeClr val="bg1"/>
-                </a:solidFill>
-              </a:rPr>
-              <a:t>Presentation</a:t>
-            </a:r>
-            <a:endParaRPr lang="en-US" sz="2800" dirty="0">
-              <a:solidFill>
-                <a:schemeClr val="bg1"/>
-              </a:solidFill>
-            </a:endParaRPr>
-          </a:p>
-        </p:txBody>
-      </p:sp>
-    </p:spTree>
-    <p:extLst>
-      <p:ext uri="{BB962C8B-B14F-4D97-AF65-F5344CB8AC3E}">
-        <p14:creationId xmlns:p14="http://schemas.microsoft.com/office/powerpoint/2010/main" val="321961698"/>
-      </p:ext>
-    </p:extLst>
-  </p:cSld>
-  <p:clrMapOvr>
-    <a:masterClrMapping/>
-  </p:clrMapOvr>
+  <p:timing>
+    <p:tnLst>
+      <p:par>
+        <p:cTn id="1" dur="indefinite" restart="never" nodeType="tmRoot"/>
+      </p:par>
+    </p:tnLst>
+  </p:timing>
 </p:sld>
 </file>
 
@@ -7085,14 +7073,17 @@
             </a:endParaRPr>
           </a:p>
           <a:p>
-            <a:pPr lvl="1"/>
+            <a:pPr lvl="1">
+              <a:buFont typeface="Arial" charset="0"/>
+              <a:buChar char="•"/>
+            </a:pPr>
             <a:r>
               <a:rPr lang="en-US" dirty="0">
                 <a:solidFill>
                   <a:schemeClr val="bg1"/>
                 </a:solidFill>
               </a:rPr>
-              <a:t>o</a:t>
+              <a:t>O</a:t>
             </a:r>
             <a:r>
               <a:rPr lang="en-US" dirty="0" smtClean="0">
@@ -7100,28 +7091,95 @@
                   <a:schemeClr val="bg1"/>
                 </a:solidFill>
               </a:rPr>
-              <a:t>ilseed crop </a:t>
-            </a:r>
-          </a:p>
-          <a:p>
-            <a:pPr lvl="1"/>
+              <a:t>ilseed </a:t>
+            </a:r>
             <a:r>
               <a:rPr lang="en-US" dirty="0" smtClean="0">
                 <a:solidFill>
                   <a:schemeClr val="bg1"/>
                 </a:solidFill>
               </a:rPr>
-              <a:t>protein and vegetable oil</a:t>
-            </a:r>
-          </a:p>
-          <a:p>
-            <a:pPr lvl="1"/>
+              <a:t>crop </a:t>
+            </a:r>
+          </a:p>
+          <a:p>
+            <a:pPr lvl="1">
+              <a:buFont typeface="Arial" charset="0"/>
+              <a:buChar char="•"/>
+            </a:pPr>
+            <a:r>
+              <a:rPr lang="en-US" dirty="0">
+                <a:solidFill>
+                  <a:schemeClr val="bg1"/>
+                </a:solidFill>
+              </a:rPr>
+              <a:t>P</a:t>
+            </a:r>
             <a:r>
               <a:rPr lang="en-US" dirty="0" smtClean="0">
                 <a:solidFill>
                   <a:schemeClr val="bg1"/>
                 </a:solidFill>
               </a:rPr>
+              <a:t>rotein </a:t>
+            </a:r>
+            <a:r>
+              <a:rPr lang="en-US" dirty="0" smtClean="0">
+                <a:solidFill>
+                  <a:schemeClr val="bg1"/>
+                </a:solidFill>
+              </a:rPr>
+              <a:t>and </a:t>
+            </a:r>
+            <a:r>
+              <a:rPr lang="en-US" dirty="0">
+                <a:solidFill>
+                  <a:schemeClr val="bg1"/>
+                </a:solidFill>
+              </a:rPr>
+              <a:t>V</a:t>
+            </a:r>
+            <a:r>
+              <a:rPr lang="en-US" dirty="0" smtClean="0">
+                <a:solidFill>
+                  <a:schemeClr val="bg1"/>
+                </a:solidFill>
+              </a:rPr>
+              <a:t>egetable </a:t>
+            </a:r>
+            <a:r>
+              <a:rPr lang="en-US" dirty="0">
+                <a:solidFill>
+                  <a:schemeClr val="bg1"/>
+                </a:solidFill>
+              </a:rPr>
+              <a:t>O</a:t>
+            </a:r>
+            <a:r>
+              <a:rPr lang="en-US" dirty="0" smtClean="0">
+                <a:solidFill>
+                  <a:schemeClr val="bg1"/>
+                </a:solidFill>
+              </a:rPr>
+              <a:t>il</a:t>
+            </a:r>
+            <a:endParaRPr lang="en-US" dirty="0" smtClean="0">
+              <a:solidFill>
+                <a:schemeClr val="bg1"/>
+              </a:solidFill>
+            </a:endParaRPr>
+          </a:p>
+          <a:p>
+            <a:pPr lvl="1">
+              <a:buFont typeface="Arial" charset="0"/>
+              <a:buChar char="•"/>
+            </a:pPr>
+            <a:r>
+              <a:rPr lang="en-US" dirty="0" smtClean="0">
+                <a:solidFill>
+                  <a:schemeClr val="bg1"/>
+                </a:solidFill>
+              </a:rPr>
               <a:t>US production of ~$35-45B.</a:t>
             </a:r>
           </a:p>
@@ -7136,57 +7194,135 @@
             </a:r>
           </a:p>
           <a:p>
-            <a:pPr lvl="1"/>
+            <a:pPr lvl="1">
+              <a:buFont typeface="Arial" charset="0"/>
+              <a:buChar char="•"/>
+            </a:pPr>
             <a:r>
               <a:rPr lang="en-US" dirty="0" smtClean="0">
                 <a:solidFill>
                   <a:schemeClr val="bg1"/>
                 </a:solidFill>
               </a:rPr>
-              <a:t>Soybean cyst nematode</a:t>
-            </a:r>
-          </a:p>
-          <a:p>
-            <a:pPr lvl="1"/>
+              <a:t>Soybean </a:t>
+            </a:r>
             <a:r>
               <a:rPr lang="en-US" dirty="0" smtClean="0">
                 <a:solidFill>
                   <a:schemeClr val="bg1"/>
                 </a:solidFill>
               </a:rPr>
-              <a:t>diseases</a:t>
-            </a:r>
-          </a:p>
-          <a:p>
+              <a:t>Cyst </a:t>
+            </a:r>
+            <a:r>
+              <a:rPr lang="en-US" dirty="0">
+                <a:solidFill>
+                  <a:schemeClr val="bg1"/>
+                </a:solidFill>
+              </a:rPr>
+              <a:t>N</a:t>
+            </a:r>
             <a:r>
               <a:rPr lang="en-US" dirty="0" smtClean="0">
                 <a:solidFill>
                   <a:schemeClr val="bg1"/>
                 </a:solidFill>
               </a:rPr>
+              <a:t>ematode</a:t>
+            </a:r>
+            <a:endParaRPr lang="en-US" dirty="0" smtClean="0">
+              <a:solidFill>
+                <a:schemeClr val="bg1"/>
+              </a:solidFill>
+            </a:endParaRPr>
+          </a:p>
+          <a:p>
+            <a:pPr lvl="1">
+              <a:buFont typeface="Arial" charset="0"/>
+              <a:buChar char="•"/>
+            </a:pPr>
+            <a:r>
+              <a:rPr lang="en-US" dirty="0" smtClean="0">
+                <a:solidFill>
+                  <a:schemeClr val="bg1"/>
+                </a:solidFill>
+              </a:rPr>
+              <a:t>Diseases</a:t>
+            </a:r>
+            <a:endParaRPr lang="en-US" dirty="0" smtClean="0">
+              <a:solidFill>
+                <a:schemeClr val="bg1"/>
+              </a:solidFill>
+            </a:endParaRPr>
+          </a:p>
+          <a:p>
+            <a:r>
+              <a:rPr lang="en-US" dirty="0" smtClean="0">
+                <a:solidFill>
+                  <a:schemeClr val="bg1"/>
+                </a:solidFill>
+              </a:rPr>
               <a:t>Resistance genes</a:t>
             </a:r>
           </a:p>
           <a:p>
-            <a:pPr lvl="1"/>
+            <a:pPr lvl="1">
+              <a:buFont typeface="Arial" charset="0"/>
+              <a:buChar char="•"/>
+            </a:pPr>
+            <a:r>
+              <a:rPr lang="en-US" dirty="0">
+                <a:solidFill>
+                  <a:schemeClr val="bg1"/>
+                </a:solidFill>
+              </a:rPr>
+              <a:t>O</a:t>
+            </a:r>
             <a:r>
               <a:rPr lang="en-US" dirty="0" smtClean="0">
                 <a:solidFill>
                   <a:schemeClr val="bg1"/>
                 </a:solidFill>
               </a:rPr>
-              <a:t>often rare and unknown</a:t>
-            </a:r>
-          </a:p>
-          <a:p>
-            <a:pPr lvl="1"/>
+              <a:t>ften </a:t>
+            </a:r>
             <a:r>
               <a:rPr lang="en-US" dirty="0" smtClean="0">
                 <a:solidFill>
                   <a:schemeClr val="bg1"/>
                 </a:solidFill>
               </a:rPr>
-              <a:t>identification is crucial</a:t>
+              <a:t>rare and unknown</a:t>
+            </a:r>
+          </a:p>
+          <a:p>
+            <a:pPr lvl="1">
+              <a:buFont typeface="Arial" charset="0"/>
+              <a:buChar char="•"/>
+            </a:pPr>
+            <a:r>
+              <a:rPr lang="en-US" dirty="0">
+                <a:solidFill>
+                  <a:schemeClr val="bg1"/>
+                </a:solidFill>
+              </a:rPr>
+              <a:t>I</a:t>
+            </a:r>
+            <a:r>
+              <a:rPr lang="en-US" dirty="0" smtClean="0">
+                <a:solidFill>
+                  <a:schemeClr val="bg1"/>
+                </a:solidFill>
+              </a:rPr>
+              <a:t>dentification </a:t>
+            </a:r>
+            <a:r>
+              <a:rPr lang="en-US" dirty="0" smtClean="0">
+                <a:solidFill>
+                  <a:schemeClr val="bg1"/>
+                </a:solidFill>
+              </a:rPr>
+              <a:t>is crucial</a:t>
             </a:r>
           </a:p>
         </p:txBody>
@@ -7641,7 +7777,23 @@
                   <a:schemeClr val="bg1"/>
                 </a:solidFill>
               </a:rPr>
-              <a:t>These have been genotypes with a standard “50k” chip, and ~43000 markers are available for each accession.</a:t>
+              <a:t>These have been genotypes with a standard “50k” chip, and ~</a:t>
+            </a:r>
+            <a:r>
+              <a:rPr lang="en-US" sz="2400" dirty="0" smtClean="0">
+                <a:solidFill>
+                  <a:schemeClr val="bg1"/>
+                </a:solidFill>
+              </a:rPr>
+              <a:t>43,000 </a:t>
+            </a:r>
+            <a:r>
+              <a:rPr lang="en-US" sz="2400" dirty="0" smtClean="0">
+                <a:solidFill>
+                  <a:schemeClr val="bg1"/>
+                </a:solidFill>
+              </a:rPr>
+              <a:t>markers are available for each accession.</a:t>
             </a:r>
           </a:p>
         </p:txBody>
@@ -7679,11 +7831,6 @@
               </a:rPr>
               <a:t>The low frequency of individual disease resistance genes makes GWAS ideal for identifying candidates.  LD also decays slowly enough to provide several markers associated with a gene.</a:t>
             </a:r>
-            <a:endParaRPr lang="en-US" sz="2400" dirty="0">
-              <a:solidFill>
-                <a:schemeClr val="bg1"/>
-              </a:solidFill>
-            </a:endParaRPr>
           </a:p>
         </p:txBody>
       </p:sp>
@@ -8132,8 +8279,13 @@
                   <a:schemeClr val="bg1"/>
                 </a:solidFill>
               </a:rPr>
-              <a:t>Steps: </a:t>
-            </a:r>
+              <a:t>Steps </a:t>
+            </a:r>
+            <a:endParaRPr lang="en-US" sz="2000" dirty="0" smtClean="0">
+              <a:solidFill>
+                <a:schemeClr val="bg1"/>
+              </a:solidFill>
+            </a:endParaRPr>
           </a:p>
           <a:p>
             <a:pPr marL="914400" lvl="1" indent="-457200">
@@ -8146,15 +8298,7 @@
                   <a:schemeClr val="bg1"/>
                 </a:solidFill>
               </a:rPr>
-              <a:t>Download </a:t>
-            </a:r>
-            <a:r>
-              <a:rPr lang="en-US" sz="1800" dirty="0" smtClean="0">
-                <a:solidFill>
-                  <a:schemeClr val="bg1"/>
-                </a:solidFill>
-              </a:rPr>
-              <a:t>SNPs from SoyBase.org for all accessions</a:t>
+              <a:t>Download SNPs from SoyBase.org for all accessions</a:t>
             </a:r>
           </a:p>
           <a:p>
@@ -8168,7 +8312,23 @@
                   <a:schemeClr val="bg1"/>
                 </a:solidFill>
               </a:rPr>
-              <a:t>Impute missing markers with Beagle 4.1 (Java app)</a:t>
+              <a:t>Impute missing markers with Beagle 4.1 (Java </a:t>
+            </a:r>
+            <a:r>
+              <a:rPr lang="en-US" sz="1800" dirty="0" smtClean="0">
+                <a:solidFill>
+                  <a:schemeClr val="bg1"/>
+                </a:solidFill>
+              </a:rPr>
+              <a:t>App</a:t>
+            </a:r>
+            <a:r>
+              <a:rPr lang="en-US" sz="1800" dirty="0" smtClean="0">
+                <a:solidFill>
+                  <a:schemeClr val="bg1"/>
+                </a:solidFill>
+              </a:rPr>
+              <a:t>)</a:t>
             </a:r>
           </a:p>
           <a:p>
@@ -8210,7 +8370,55 @@
                   <a:schemeClr val="bg1"/>
                 </a:solidFill>
               </a:rPr>
-              <a:t>Analyze with MLM (mixed linear model)</a:t>
+              <a:t>Analyze with MLM </a:t>
+            </a:r>
+            <a:r>
+              <a:rPr lang="en-US" sz="1800" dirty="0" smtClean="0">
+                <a:solidFill>
+                  <a:schemeClr val="bg1"/>
+                </a:solidFill>
+              </a:rPr>
+              <a:t>(Mixed </a:t>
+            </a:r>
+            <a:r>
+              <a:rPr lang="en-US" sz="1800" dirty="0">
+                <a:solidFill>
+                  <a:schemeClr val="bg1"/>
+                </a:solidFill>
+              </a:rPr>
+              <a:t>L</a:t>
+            </a:r>
+            <a:r>
+              <a:rPr lang="en-US" sz="1800" dirty="0" smtClean="0">
+                <a:solidFill>
+                  <a:schemeClr val="bg1"/>
+                </a:solidFill>
+              </a:rPr>
+              <a:t>inear </a:t>
+            </a:r>
+            <a:r>
+              <a:rPr lang="en-US" sz="1800" dirty="0">
+                <a:solidFill>
+                  <a:schemeClr val="bg1"/>
+                </a:solidFill>
+              </a:rPr>
+              <a:t>M</a:t>
+            </a:r>
+            <a:r>
+              <a:rPr lang="en-US" sz="1800" dirty="0" smtClean="0">
+                <a:solidFill>
+                  <a:schemeClr val="bg1"/>
+                </a:solidFill>
+              </a:rPr>
+              <a:t>odel</a:t>
+            </a:r>
+            <a:r>
+              <a:rPr lang="en-US" sz="1800" dirty="0" smtClean="0">
+                <a:solidFill>
+                  <a:schemeClr val="bg1"/>
+                </a:solidFill>
+              </a:rPr>
+              <a:t>)</a:t>
             </a:r>
           </a:p>
           <a:p>
@@ -8357,7 +8565,7 @@
         </p:blipFill>
         <p:spPr>
           <a:xfrm>
-            <a:off x="319087" y="447380"/>
+            <a:off x="557091" y="451621"/>
             <a:ext cx="6027246" cy="810745"/>
           </a:xfrm>
           <a:prstGeom prst="rect">
@@ -8442,31 +8650,7 @@
                   <a:schemeClr val="bg1"/>
                 </a:solidFill>
               </a:rPr>
-              <a:t>SoySNP50k </a:t>
-            </a:r>
-            <a:r>
-              <a:rPr lang="en-US" dirty="0" smtClean="0">
-                <a:solidFill>
-                  <a:schemeClr val="bg1"/>
-                </a:solidFill>
-              </a:rPr>
-              <a:t>Ill</a:t>
-            </a:r>
-            <a:r>
-              <a:rPr lang="en-US" dirty="0" smtClean="0">
-                <a:solidFill>
-                  <a:schemeClr val="bg1"/>
-                </a:solidFill>
-              </a:rPr>
-              <a:t>umina </a:t>
-            </a:r>
-            <a:r>
-              <a:rPr lang="en-US" dirty="0" smtClean="0">
-                <a:solidFill>
-                  <a:schemeClr val="bg1"/>
-                </a:solidFill>
-              </a:rPr>
-              <a:t>Data</a:t>
+              <a:t>SoySNP50k Illumina Data</a:t>
             </a:r>
             <a:endParaRPr lang="en-US" dirty="0">
               <a:solidFill>
@@ -8902,6 +9086,13 @@
   <p:clrMapOvr>
     <a:masterClrMapping/>
   </p:clrMapOvr>
+  <p:timing>
+    <p:tnLst>
+      <p:par>
+        <p:cTn id="1" dur="indefinite" restart="never" nodeType="tmRoot"/>
+      </p:par>
+    </p:tnLst>
+  </p:timing>
 </p:sld>
 </file>
 
@@ -8990,7 +9181,10 @@
             </a:r>
           </a:p>
           <a:p>
-            <a:pPr lvl="1"/>
+            <a:pPr lvl="1">
+              <a:buFont typeface="Arial" charset="0"/>
+              <a:buChar char="•"/>
+            </a:pPr>
             <a:r>
               <a:rPr lang="en-US" sz="2400" dirty="0" smtClean="0">
                 <a:solidFill>
@@ -9001,7 +9195,10 @@
             </a:r>
           </a:p>
           <a:p>
-            <a:pPr lvl="1"/>
+            <a:pPr lvl="1">
+              <a:buFont typeface="Arial" charset="0"/>
+              <a:buChar char="•"/>
+            </a:pPr>
             <a:r>
               <a:rPr lang="en-US" sz="2400" dirty="0" smtClean="0">
                 <a:solidFill>
@@ -9055,7 +9252,10 @@
             </a:r>
           </a:p>
           <a:p>
-            <a:pPr lvl="1"/>
+            <a:pPr lvl="1">
+              <a:buFont typeface="Arial" charset="0"/>
+              <a:buChar char="•"/>
+            </a:pPr>
             <a:r>
               <a:rPr lang="en-US" sz="2400" dirty="0">
                 <a:solidFill>
@@ -9090,6 +9290,13 @@
   <p:clrMapOvr>
     <a:masterClrMapping/>
   </p:clrMapOvr>
+  <p:timing>
+    <p:tnLst>
+      <p:par>
+        <p:cTn id="1" dur="indefinite" restart="never" nodeType="tmRoot"/>
+      </p:par>
+    </p:tnLst>
+  </p:timing>
 </p:sld>
 </file>
 
